--- a/Seminar DFT/1.Bao cao/_ADL_DFT(draft).pptx
+++ b/Seminar DFT/1.Bao cao/_ADL_DFT(draft).pptx
@@ -5,7 +5,7 @@
     <p:sldMasterId id="2147483684" r:id="rId1"/>
   </p:sldMasterIdLst>
   <p:notesMasterIdLst>
-    <p:notesMasterId r:id="rId29"/>
+    <p:notesMasterId r:id="rId31"/>
   </p:notesMasterIdLst>
   <p:sldIdLst>
     <p:sldId id="256" r:id="rId2"/>
@@ -15,26 +15,28 @@
     <p:sldId id="260" r:id="rId6"/>
     <p:sldId id="261" r:id="rId7"/>
     <p:sldId id="262" r:id="rId8"/>
-    <p:sldId id="263" r:id="rId9"/>
-    <p:sldId id="264" r:id="rId10"/>
-    <p:sldId id="265" r:id="rId11"/>
-    <p:sldId id="269" r:id="rId12"/>
-    <p:sldId id="270" r:id="rId13"/>
-    <p:sldId id="271" r:id="rId14"/>
-    <p:sldId id="266" r:id="rId15"/>
-    <p:sldId id="268" r:id="rId16"/>
-    <p:sldId id="272" r:id="rId17"/>
-    <p:sldId id="274" r:id="rId18"/>
-    <p:sldId id="275" r:id="rId19"/>
-    <p:sldId id="276" r:id="rId20"/>
-    <p:sldId id="277" r:id="rId21"/>
-    <p:sldId id="278" r:id="rId22"/>
-    <p:sldId id="279" r:id="rId23"/>
-    <p:sldId id="280" r:id="rId24"/>
-    <p:sldId id="281" r:id="rId25"/>
-    <p:sldId id="282" r:id="rId26"/>
-    <p:sldId id="283" r:id="rId27"/>
-    <p:sldId id="284" r:id="rId28"/>
+    <p:sldId id="286" r:id="rId9"/>
+    <p:sldId id="263" r:id="rId10"/>
+    <p:sldId id="264" r:id="rId11"/>
+    <p:sldId id="265" r:id="rId12"/>
+    <p:sldId id="287" r:id="rId13"/>
+    <p:sldId id="269" r:id="rId14"/>
+    <p:sldId id="270" r:id="rId15"/>
+    <p:sldId id="271" r:id="rId16"/>
+    <p:sldId id="266" r:id="rId17"/>
+    <p:sldId id="268" r:id="rId18"/>
+    <p:sldId id="272" r:id="rId19"/>
+    <p:sldId id="274" r:id="rId20"/>
+    <p:sldId id="275" r:id="rId21"/>
+    <p:sldId id="276" r:id="rId22"/>
+    <p:sldId id="277" r:id="rId23"/>
+    <p:sldId id="278" r:id="rId24"/>
+    <p:sldId id="279" r:id="rId25"/>
+    <p:sldId id="280" r:id="rId26"/>
+    <p:sldId id="281" r:id="rId27"/>
+    <p:sldId id="282" r:id="rId28"/>
+    <p:sldId id="283" r:id="rId29"/>
+    <p:sldId id="284" r:id="rId30"/>
   </p:sldIdLst>
   <p:sldSz cx="9144000" cy="6858000" type="screen4x3"/>
   <p:notesSz cx="6858000" cy="9144000"/>
@@ -2076,7 +2078,7 @@
   <dgm:whole/>
   <dgm:extLst>
     <a:ext uri="http://schemas.microsoft.com/office/drawing/2008/diagram">
-      <dsp:dataModelExt xmlns="" xmlns:dsp="http://schemas.microsoft.com/office/drawing/2008/diagram" relId="rId6" minVer="http://schemas.openxmlformats.org/drawingml/2006/diagram"/>
+      <dsp:dataModelExt xmlns:dsp="http://schemas.microsoft.com/office/drawing/2008/diagram" xmlns="" relId="rId6" minVer="http://schemas.openxmlformats.org/drawingml/2006/diagram"/>
     </a:ext>
   </dgm:extLst>
 </dgm:dataModel>
@@ -3538,7 +3540,7 @@
             <a:fld id="{E4C1F56E-8A0B-4477-A02C-10EB11879681}" type="datetimeFigureOut">
               <a:rPr lang="en-US" smtClean="0"/>
               <a:pPr/>
-              <a:t>3/23/2011</a:t>
+              <a:t>3/24/2011</a:t>
             </a:fld>
             <a:endParaRPr lang="en-US"/>
           </a:p>
@@ -3709,7 +3711,7 @@
     </p:spTree>
     <p:extLst>
       <p:ext uri="{BB962C8B-B14F-4D97-AF65-F5344CB8AC3E}">
-        <p14:creationId xmlns="" xmlns:p14="http://schemas.microsoft.com/office/powerpoint/2010/main" val="2556415404"/>
+        <p14:creationId xmlns:p14="http://schemas.microsoft.com/office/powerpoint/2010/main" xmlns="" val="2556415404"/>
       </p:ext>
     </p:extLst>
   </p:cSld>
@@ -3926,7 +3928,7 @@
             <a:fld id="{251AAD4A-B145-44B6-9BB3-AC9F055261C6}" type="datetime1">
               <a:rPr lang="en-US" smtClean="0"/>
               <a:pPr/>
-              <a:t>3/23/2011</a:t>
+              <a:t>3/24/2011</a:t>
             </a:fld>
             <a:endParaRPr lang="en-US"/>
           </a:p>
@@ -4005,7 +4007,7 @@
             </a:clrChange>
             <a:extLst>
               <a:ext uri="{28A0092B-C50C-407E-A947-70E740481C1C}">
-                <a14:useLocalDpi xmlns="" xmlns:a14="http://schemas.microsoft.com/office/drawing/2010/main" val="0"/>
+                <a14:useLocalDpi xmlns:a14="http://schemas.microsoft.com/office/drawing/2010/main" xmlns="" val="0"/>
               </a:ext>
             </a:extLst>
           </a:blip>
@@ -4025,7 +4027,7 @@
           <a:noFill/>
           <a:extLst>
             <a:ext uri="{909E8E84-426E-40DD-AFC4-6F175D3DCCD1}">
-              <a14:hiddenFill xmlns="" xmlns:a14="http://schemas.microsoft.com/office/drawing/2010/main">
+              <a14:hiddenFill xmlns:a14="http://schemas.microsoft.com/office/drawing/2010/main" xmlns="">
                 <a:solidFill>
                   <a:srgbClr val="FFFFFF"/>
                 </a:solidFill>
@@ -4183,7 +4185,7 @@
             <a:fld id="{D831A600-9070-4E9E-865C-1A274B02B610}" type="datetime1">
               <a:rPr lang="en-US" smtClean="0"/>
               <a:pPr/>
-              <a:t>3/23/2011</a:t>
+              <a:t>3/24/2011</a:t>
             </a:fld>
             <a:endParaRPr lang="en-US"/>
           </a:p>
@@ -4375,7 +4377,7 @@
             <a:fld id="{9B5BA668-D98D-41AC-A85F-438FCE1484C9}" type="datetime1">
               <a:rPr lang="en-US" smtClean="0"/>
               <a:pPr/>
-              <a:t>3/23/2011</a:t>
+              <a:t>3/24/2011</a:t>
             </a:fld>
             <a:endParaRPr lang="en-US"/>
           </a:p>
@@ -4632,7 +4634,7 @@
             <a:fld id="{FC13EE21-0C48-4609-AAE4-AD74DD06381D}" type="datetime1">
               <a:rPr lang="en-US" smtClean="0"/>
               <a:pPr/>
-              <a:t>3/23/2011</a:t>
+              <a:t>3/24/2011</a:t>
             </a:fld>
             <a:endParaRPr lang="en-US" dirty="0"/>
           </a:p>
@@ -4860,7 +4862,7 @@
             <a:fld id="{39E422AE-9F9A-405F-A1D9-0F6E581CBEC2}" type="datetime1">
               <a:rPr lang="en-US" smtClean="0"/>
               <a:pPr/>
-              <a:t>3/23/2011</a:t>
+              <a:t>3/24/2011</a:t>
             </a:fld>
             <a:endParaRPr lang="en-US"/>
           </a:p>
@@ -5160,7 +5162,7 @@
             <a:fld id="{66A3B13E-3DCA-4185-82DB-032FB3F4C8E8}" type="datetime1">
               <a:rPr lang="en-US" smtClean="0"/>
               <a:pPr/>
-              <a:t>3/23/2011</a:t>
+              <a:t>3/24/2011</a:t>
             </a:fld>
             <a:endParaRPr lang="en-US"/>
           </a:p>
@@ -5599,7 +5601,7 @@
             <a:fld id="{E21ACCD3-A2E6-45A8-BABF-2DC8E2644210}" type="datetime1">
               <a:rPr lang="en-US" smtClean="0"/>
               <a:pPr/>
-              <a:t>3/23/2011</a:t>
+              <a:t>3/24/2011</a:t>
             </a:fld>
             <a:endParaRPr lang="en-US"/>
           </a:p>
@@ -5729,7 +5731,7 @@
             <a:fld id="{FB0FC454-785D-494D-AA39-AE6CE4C48506}" type="datetime1">
               <a:rPr lang="en-US" smtClean="0"/>
               <a:pPr/>
-              <a:t>3/23/2011</a:t>
+              <a:t>3/24/2011</a:t>
             </a:fld>
             <a:endParaRPr lang="en-US"/>
           </a:p>
@@ -5836,7 +5838,7 @@
             <a:fld id="{E94C2E2E-347F-4846-9B56-DC7DC821C251}" type="datetime1">
               <a:rPr lang="en-US" smtClean="0"/>
               <a:pPr/>
-              <a:t>3/23/2011</a:t>
+              <a:t>3/24/2011</a:t>
             </a:fld>
             <a:endParaRPr lang="en-US"/>
           </a:p>
@@ -6125,7 +6127,7 @@
             <a:fld id="{768BCF10-3C4D-4026-BEDA-62FDF461E6A3}" type="datetime1">
               <a:rPr lang="en-US" smtClean="0"/>
               <a:pPr/>
-              <a:t>3/23/2011</a:t>
+              <a:t>3/24/2011</a:t>
             </a:fld>
             <a:endParaRPr lang="en-US"/>
           </a:p>
@@ -6394,7 +6396,7 @@
             <a:fld id="{6D339DC9-14ED-4A53-A8E4-7D57CA4F24B7}" type="datetime1">
               <a:rPr lang="en-US" smtClean="0"/>
               <a:pPr/>
-              <a:t>3/23/2011</a:t>
+              <a:t>3/24/2011</a:t>
             </a:fld>
             <a:endParaRPr lang="en-US"/>
           </a:p>
@@ -6682,7 +6684,7 @@
             <a:fld id="{2F22294D-6F48-4BF5-8C88-83F995CA6CF1}" type="datetime1">
               <a:rPr lang="en-US" smtClean="0"/>
               <a:pPr/>
-              <a:t>3/23/2011</a:t>
+              <a:t>3/24/2011</a:t>
             </a:fld>
             <a:endParaRPr lang="en-US" dirty="0"/>
           </a:p>
@@ -6801,7 +6803,7 @@
             </a:clrChange>
             <a:extLst>
               <a:ext uri="{28A0092B-C50C-407E-A947-70E740481C1C}">
-                <a14:useLocalDpi xmlns="" xmlns:a14="http://schemas.microsoft.com/office/drawing/2010/main" val="0"/>
+                <a14:useLocalDpi xmlns:a14="http://schemas.microsoft.com/office/drawing/2010/main" xmlns="" val="0"/>
               </a:ext>
             </a:extLst>
           </a:blip>
@@ -6821,7 +6823,7 @@
           <a:noFill/>
           <a:extLst>
             <a:ext uri="{909E8E84-426E-40DD-AFC4-6F175D3DCCD1}">
-              <a14:hiddenFill xmlns="" xmlns:a14="http://schemas.microsoft.com/office/drawing/2010/main">
+              <a14:hiddenFill xmlns:a14="http://schemas.microsoft.com/office/drawing/2010/main" xmlns="">
                 <a:solidFill>
                   <a:srgbClr val="FFFFFF"/>
                 </a:solidFill>
@@ -8035,7 +8037,7 @@
             <a:fld id="{2A6B7E0B-F4FA-42DA-AC60-36567C066CC1}" type="datetime1">
               <a:rPr lang="en-US" smtClean="0"/>
               <a:pPr/>
-              <a:t>3/23/2011</a:t>
+              <a:t>3/24/2011</a:t>
             </a:fld>
             <a:endParaRPr lang="en-US"/>
           </a:p>
@@ -9287,14 +9289,7 @@
                 <a:latin typeface="Times New Roman" pitchFamily="18" charset="0"/>
                 <a:cs typeface="Times New Roman" pitchFamily="18" charset="0"/>
               </a:rPr>
-              <a:t> </a:t>
-            </a:r>
-            <a:r>
-              <a:rPr lang="en-US" dirty="0" smtClean="0">
-                <a:latin typeface="Times New Roman" pitchFamily="18" charset="0"/>
-                <a:cs typeface="Times New Roman" pitchFamily="18" charset="0"/>
-              </a:rPr>
-              <a:t>(7)</a:t>
+              <a:t> (6)</a:t>
             </a:r>
             <a:endParaRPr lang="en-US" dirty="0"/>
           </a:p>
@@ -9321,7 +9316,7 @@
                   <a:srgbClr val="0070C0"/>
                 </a:solidFill>
               </a:rPr>
-              <a:t>Tính</a:t>
+              <a:t>Kết</a:t>
             </a:r>
             <a:r>
               <a:rPr lang="en-US" b="1" dirty="0" smtClean="0">
@@ -9329,8 +9324,21 @@
                   <a:srgbClr val="0070C0"/>
                 </a:solidFill>
               </a:rPr>
-              <a:t> F(m)</a:t>
-            </a:r>
+              <a:t> </a:t>
+            </a:r>
+            <a:r>
+              <a:rPr lang="en-US" b="1" dirty="0" err="1" smtClean="0">
+                <a:solidFill>
+                  <a:srgbClr val="0070C0"/>
+                </a:solidFill>
+              </a:rPr>
+              <a:t>hợp</a:t>
+            </a:r>
+            <a:endParaRPr lang="en-US" b="1" dirty="0" smtClean="0">
+              <a:solidFill>
+                <a:srgbClr val="0070C0"/>
+              </a:solidFill>
+            </a:endParaRPr>
           </a:p>
         </p:txBody>
       </p:sp>
@@ -9352,7 +9360,7 @@
             <a:fld id="{FC13EE21-0C48-4609-AAE4-AD74DD06381D}" type="datetime1">
               <a:rPr lang="en-US" smtClean="0"/>
               <a:pPr/>
-              <a:t>3/23/2011</a:t>
+              <a:t>3/24/2011</a:t>
             </a:fld>
             <a:endParaRPr lang="en-US" dirty="0"/>
           </a:p>
@@ -9384,19 +9392,19 @@
       </p:sp>
       <p:graphicFrame>
         <p:nvGraphicFramePr>
-          <p:cNvPr id="60418" name="Object 2"/>
+          <p:cNvPr id="59394" name="Object 2"/>
           <p:cNvGraphicFramePr>
             <a:graphicFrameLocks noChangeAspect="1"/>
           </p:cNvGraphicFramePr>
           <p:nvPr/>
         </p:nvGraphicFramePr>
         <p:xfrm>
-          <a:off x="762000" y="2362200"/>
-          <a:ext cx="7518400" cy="612775"/>
+          <a:off x="1066800" y="2057400"/>
+          <a:ext cx="7132638" cy="971550"/>
         </p:xfrm>
         <a:graphic>
           <a:graphicData uri="http://schemas.openxmlformats.org/presentationml/2006/ole">
-            <p:oleObj spid="_x0000_s60418" name="Kaava" r:id="rId3" imgW="3429000" imgH="279360" progId="Equation.3">
+            <p:oleObj spid="_x0000_s59394" name="Equation" r:id="rId3" imgW="3174840" imgH="431640" progId="">
               <p:embed/>
             </p:oleObj>
           </a:graphicData>
@@ -9404,19 +9412,39 @@
       </p:graphicFrame>
       <p:graphicFrame>
         <p:nvGraphicFramePr>
-          <p:cNvPr id="60419" name="Object 3"/>
+          <p:cNvPr id="59395" name="Object 3"/>
           <p:cNvGraphicFramePr>
             <a:graphicFrameLocks noChangeAspect="1"/>
           </p:cNvGraphicFramePr>
           <p:nvPr/>
         </p:nvGraphicFramePr>
         <p:xfrm>
-          <a:off x="1676400" y="4724400"/>
-          <a:ext cx="5287963" cy="1030288"/>
+          <a:off x="1266825" y="4286250"/>
+          <a:ext cx="3124200" cy="1111250"/>
         </p:xfrm>
         <a:graphic>
           <a:graphicData uri="http://schemas.openxmlformats.org/presentationml/2006/ole">
-            <p:oleObj spid="_x0000_s60419" name="Kaava" r:id="rId4" imgW="2412720" imgH="469800" progId="Equation.3">
+            <p:oleObj spid="_x0000_s59395" name="Equation" r:id="rId4" imgW="1422400" imgH="508000" progId="">
+              <p:embed/>
+            </p:oleObj>
+          </a:graphicData>
+        </a:graphic>
+      </p:graphicFrame>
+      <p:graphicFrame>
+        <p:nvGraphicFramePr>
+          <p:cNvPr id="59396" name="Object 4"/>
+          <p:cNvGraphicFramePr>
+            <a:graphicFrameLocks noChangeAspect="1"/>
+          </p:cNvGraphicFramePr>
+          <p:nvPr/>
+        </p:nvGraphicFramePr>
+        <p:xfrm>
+          <a:off x="4895850" y="4289425"/>
+          <a:ext cx="3076575" cy="1108075"/>
+        </p:xfrm>
+        <a:graphic>
+          <a:graphicData uri="http://schemas.openxmlformats.org/presentationml/2006/ole">
+            <p:oleObj spid="_x0000_s59396" name="Equation" r:id="rId5" imgW="1397000" imgH="508000" progId="">
               <p:embed/>
             </p:oleObj>
           </a:graphicData>
@@ -9491,14 +9519,7 @@
                 <a:latin typeface="Times New Roman" pitchFamily="18" charset="0"/>
                 <a:cs typeface="Times New Roman" pitchFamily="18" charset="0"/>
               </a:rPr>
-              <a:t> </a:t>
-            </a:r>
-            <a:r>
-              <a:rPr lang="en-US" dirty="0" smtClean="0">
-                <a:latin typeface="Times New Roman" pitchFamily="18" charset="0"/>
-                <a:cs typeface="Times New Roman" pitchFamily="18" charset="0"/>
-              </a:rPr>
-              <a:t>(8)</a:t>
+              <a:t> (7)</a:t>
             </a:r>
             <a:endParaRPr lang="en-US" dirty="0"/>
           </a:p>
@@ -9519,7 +9540,22 @@
           <a:bodyPr/>
           <a:lstStyle/>
           <a:p>
-            <a:endParaRPr lang="en-US" dirty="0"/>
+            <a:r>
+              <a:rPr lang="en-US" b="1" dirty="0" err="1" smtClean="0">
+                <a:solidFill>
+                  <a:srgbClr val="0070C0"/>
+                </a:solidFill>
+              </a:rPr>
+              <a:t>Tính</a:t>
+            </a:r>
+            <a:r>
+              <a:rPr lang="en-US" b="1" dirty="0" smtClean="0">
+                <a:solidFill>
+                  <a:srgbClr val="0070C0"/>
+                </a:solidFill>
+              </a:rPr>
+              <a:t> F(m)</a:t>
+            </a:r>
           </a:p>
         </p:txBody>
       </p:sp>
@@ -9541,7 +9577,7 @@
             <a:fld id="{FC13EE21-0C48-4609-AAE4-AD74DD06381D}" type="datetime1">
               <a:rPr lang="en-US" smtClean="0"/>
               <a:pPr/>
-              <a:t>3/23/2011</a:t>
+              <a:t>3/24/2011</a:t>
             </a:fld>
             <a:endParaRPr lang="en-US" dirty="0"/>
           </a:p>
@@ -9566,6 +9602,383 @@
               <a:rPr lang="en-US" smtClean="0"/>
               <a:pPr/>
               <a:t>11</a:t>
+            </a:fld>
+            <a:endParaRPr lang="en-US"/>
+          </a:p>
+        </p:txBody>
+      </p:sp>
+      <p:graphicFrame>
+        <p:nvGraphicFramePr>
+          <p:cNvPr id="60418" name="Object 2"/>
+          <p:cNvGraphicFramePr>
+            <a:graphicFrameLocks noChangeAspect="1"/>
+          </p:cNvGraphicFramePr>
+          <p:nvPr/>
+        </p:nvGraphicFramePr>
+        <p:xfrm>
+          <a:off x="838200" y="1828800"/>
+          <a:ext cx="7518400" cy="612775"/>
+        </p:xfrm>
+        <a:graphic>
+          <a:graphicData uri="http://schemas.openxmlformats.org/presentationml/2006/ole">
+            <p:oleObj spid="_x0000_s60418" name="Kaava" r:id="rId3" imgW="3429000" imgH="279360" progId="Equation.3">
+              <p:embed/>
+            </p:oleObj>
+          </a:graphicData>
+        </a:graphic>
+      </p:graphicFrame>
+      <p:pic>
+        <p:nvPicPr>
+          <p:cNvPr id="8" name="Picture 7"/>
+          <p:cNvPicPr>
+            <a:picLocks noChangeAspect="1" noChangeArrowheads="1"/>
+          </p:cNvPicPr>
+          <p:nvPr/>
+        </p:nvPicPr>
+        <p:blipFill>
+          <a:blip r:embed="rId4"/>
+          <a:srcRect/>
+          <a:stretch>
+            <a:fillRect/>
+          </a:stretch>
+        </p:blipFill>
+        <p:spPr bwMode="auto">
+          <a:xfrm>
+            <a:off x="2362200" y="3048000"/>
+            <a:ext cx="3581400" cy="900113"/>
+          </a:xfrm>
+          <a:prstGeom prst="rect">
+            <a:avLst/>
+          </a:prstGeom>
+          <a:noFill/>
+          <a:ln w="12700" cap="sq">
+            <a:noFill/>
+            <a:miter lim="800000"/>
+            <a:headEnd type="none" w="sm" len="sm"/>
+            <a:tailEnd type="none" w="sm" len="sm"/>
+          </a:ln>
+          <a:effectLst/>
+        </p:spPr>
+      </p:pic>
+    </p:spTree>
+  </p:cSld>
+  <p:clrMapOvr>
+    <a:masterClrMapping/>
+  </p:clrMapOvr>
+  <p:transition>
+    <p:fade thruBlk="1"/>
+  </p:transition>
+</p:sld>
+</file>
+
+<file path=ppt/slides/slide12.xml><?xml version="1.0" encoding="utf-8"?>
+<p:sld xmlns:a="http://schemas.openxmlformats.org/drawingml/2006/main" xmlns:r="http://schemas.openxmlformats.org/officeDocument/2006/relationships" xmlns:p="http://schemas.openxmlformats.org/presentationml/2006/main">
+  <p:cSld>
+    <p:spTree>
+      <p:nvGrpSpPr>
+        <p:cNvPr id="1" name=""/>
+        <p:cNvGrpSpPr/>
+        <p:nvPr/>
+      </p:nvGrpSpPr>
+      <p:grpSpPr>
+        <a:xfrm>
+          <a:off x="0" y="0"/>
+          <a:ext cx="0" cy="0"/>
+          <a:chOff x="0" y="0"/>
+          <a:chExt cx="0" cy="0"/>
+        </a:xfrm>
+      </p:grpSpPr>
+      <p:sp>
+        <p:nvSpPr>
+          <p:cNvPr id="2" name="Title 1"/>
+          <p:cNvSpPr>
+            <a:spLocks noGrp="1"/>
+          </p:cNvSpPr>
+          <p:nvPr>
+            <p:ph type="title"/>
+          </p:nvPr>
+        </p:nvSpPr>
+        <p:spPr/>
+        <p:txBody>
+          <a:bodyPr/>
+          <a:lstStyle/>
+          <a:p>
+            <a:r>
+              <a:rPr lang="en-US" dirty="0" err="1" smtClean="0">
+                <a:latin typeface="Times New Roman" pitchFamily="18" charset="0"/>
+                <a:cs typeface="Times New Roman" pitchFamily="18" charset="0"/>
+              </a:rPr>
+              <a:t>Giới</a:t>
+            </a:r>
+            <a:r>
+              <a:rPr lang="en-US" dirty="0" smtClean="0">
+                <a:latin typeface="Times New Roman" pitchFamily="18" charset="0"/>
+                <a:cs typeface="Times New Roman" pitchFamily="18" charset="0"/>
+              </a:rPr>
+              <a:t> </a:t>
+            </a:r>
+            <a:r>
+              <a:rPr lang="en-US" dirty="0" err="1" smtClean="0">
+                <a:latin typeface="Times New Roman" pitchFamily="18" charset="0"/>
+                <a:cs typeface="Times New Roman" pitchFamily="18" charset="0"/>
+              </a:rPr>
+              <a:t>thiệu</a:t>
+            </a:r>
+            <a:r>
+              <a:rPr lang="en-US" dirty="0" smtClean="0">
+                <a:latin typeface="Times New Roman" pitchFamily="18" charset="0"/>
+                <a:cs typeface="Times New Roman" pitchFamily="18" charset="0"/>
+              </a:rPr>
+              <a:t> (7)</a:t>
+            </a:r>
+            <a:endParaRPr lang="en-US" dirty="0"/>
+          </a:p>
+        </p:txBody>
+      </p:sp>
+      <p:sp>
+        <p:nvSpPr>
+          <p:cNvPr id="3" name="Content Placeholder 2"/>
+          <p:cNvSpPr>
+            <a:spLocks noGrp="1"/>
+          </p:cNvSpPr>
+          <p:nvPr>
+            <p:ph idx="1"/>
+          </p:nvPr>
+        </p:nvSpPr>
+        <p:spPr/>
+        <p:txBody>
+          <a:bodyPr/>
+          <a:lstStyle/>
+          <a:p>
+            <a:endParaRPr lang="en-US" dirty="0"/>
+          </a:p>
+        </p:txBody>
+      </p:sp>
+      <p:sp>
+        <p:nvSpPr>
+          <p:cNvPr id="4" name="Date Placeholder 3"/>
+          <p:cNvSpPr>
+            <a:spLocks noGrp="1"/>
+          </p:cNvSpPr>
+          <p:nvPr>
+            <p:ph type="dt" sz="half" idx="10"/>
+          </p:nvPr>
+        </p:nvSpPr>
+        <p:spPr/>
+        <p:txBody>
+          <a:bodyPr/>
+          <a:lstStyle/>
+          <a:p>
+            <a:fld id="{FC13EE21-0C48-4609-AAE4-AD74DD06381D}" type="datetime1">
+              <a:rPr lang="en-US" smtClean="0"/>
+              <a:pPr/>
+              <a:t>3/24/2011</a:t>
+            </a:fld>
+            <a:endParaRPr lang="en-US" dirty="0"/>
+          </a:p>
+        </p:txBody>
+      </p:sp>
+      <p:sp>
+        <p:nvSpPr>
+          <p:cNvPr id="5" name="Slide Number Placeholder 4"/>
+          <p:cNvSpPr>
+            <a:spLocks noGrp="1"/>
+          </p:cNvSpPr>
+          <p:nvPr>
+            <p:ph type="sldNum" sz="quarter" idx="12"/>
+          </p:nvPr>
+        </p:nvSpPr>
+        <p:spPr/>
+        <p:txBody>
+          <a:bodyPr/>
+          <a:lstStyle/>
+          <a:p>
+            <a:fld id="{805C85F1-8004-4C57-9BBF-E57BBA7CF0F9}" type="slidenum">
+              <a:rPr lang="en-US" smtClean="0"/>
+              <a:pPr/>
+              <a:t>12</a:t>
+            </a:fld>
+            <a:endParaRPr lang="en-US"/>
+          </a:p>
+        </p:txBody>
+      </p:sp>
+      <p:graphicFrame>
+        <p:nvGraphicFramePr>
+          <p:cNvPr id="95234" name="Object 2"/>
+          <p:cNvGraphicFramePr>
+            <a:graphicFrameLocks noChangeAspect="1"/>
+          </p:cNvGraphicFramePr>
+          <p:nvPr/>
+        </p:nvGraphicFramePr>
+        <p:xfrm>
+          <a:off x="1752600" y="1905000"/>
+          <a:ext cx="5578067" cy="1464947"/>
+        </p:xfrm>
+        <a:graphic>
+          <a:graphicData uri="http://schemas.openxmlformats.org/presentationml/2006/ole">
+            <p:oleObj spid="_x0000_s95234" name="Equation" r:id="rId3" imgW="2031840" imgH="533160" progId="Equation.DSMT4">
+              <p:embed/>
+            </p:oleObj>
+          </a:graphicData>
+        </a:graphic>
+      </p:graphicFrame>
+      <p:graphicFrame>
+        <p:nvGraphicFramePr>
+          <p:cNvPr id="95235" name="Object 3"/>
+          <p:cNvGraphicFramePr>
+            <a:graphicFrameLocks noChangeAspect="1"/>
+          </p:cNvGraphicFramePr>
+          <p:nvPr/>
+        </p:nvGraphicFramePr>
+        <p:xfrm>
+          <a:off x="1524000" y="3810000"/>
+          <a:ext cx="6504072" cy="1447800"/>
+        </p:xfrm>
+        <a:graphic>
+          <a:graphicData uri="http://schemas.openxmlformats.org/presentationml/2006/ole">
+            <p:oleObj spid="_x0000_s95235" name="Equation" r:id="rId4" imgW="2209680" imgH="533160" progId="Equation.DSMT4">
+              <p:embed/>
+            </p:oleObj>
+          </a:graphicData>
+        </a:graphic>
+      </p:graphicFrame>
+    </p:spTree>
+  </p:cSld>
+  <p:clrMapOvr>
+    <a:masterClrMapping/>
+  </p:clrMapOvr>
+  <p:transition>
+    <p:fade thruBlk="1"/>
+  </p:transition>
+</p:sld>
+</file>
+
+<file path=ppt/slides/slide13.xml><?xml version="1.0" encoding="utf-8"?>
+<p:sld xmlns:a="http://schemas.openxmlformats.org/drawingml/2006/main" xmlns:r="http://schemas.openxmlformats.org/officeDocument/2006/relationships" xmlns:p="http://schemas.openxmlformats.org/presentationml/2006/main">
+  <p:cSld>
+    <p:spTree>
+      <p:nvGrpSpPr>
+        <p:cNvPr id="1" name=""/>
+        <p:cNvGrpSpPr/>
+        <p:nvPr/>
+      </p:nvGrpSpPr>
+      <p:grpSpPr>
+        <a:xfrm>
+          <a:off x="0" y="0"/>
+          <a:ext cx="0" cy="0"/>
+          <a:chOff x="0" y="0"/>
+          <a:chExt cx="0" cy="0"/>
+        </a:xfrm>
+      </p:grpSpPr>
+      <p:sp>
+        <p:nvSpPr>
+          <p:cNvPr id="2" name="Title 1"/>
+          <p:cNvSpPr>
+            <a:spLocks noGrp="1"/>
+          </p:cNvSpPr>
+          <p:nvPr>
+            <p:ph type="title"/>
+          </p:nvPr>
+        </p:nvSpPr>
+        <p:spPr/>
+        <p:txBody>
+          <a:bodyPr/>
+          <a:lstStyle/>
+          <a:p>
+            <a:r>
+              <a:rPr lang="en-US" dirty="0" err="1" smtClean="0">
+                <a:latin typeface="Times New Roman" pitchFamily="18" charset="0"/>
+                <a:cs typeface="Times New Roman" pitchFamily="18" charset="0"/>
+              </a:rPr>
+              <a:t>Giới</a:t>
+            </a:r>
+            <a:r>
+              <a:rPr lang="en-US" dirty="0" smtClean="0">
+                <a:latin typeface="Times New Roman" pitchFamily="18" charset="0"/>
+                <a:cs typeface="Times New Roman" pitchFamily="18" charset="0"/>
+              </a:rPr>
+              <a:t> </a:t>
+            </a:r>
+            <a:r>
+              <a:rPr lang="en-US" dirty="0" err="1" smtClean="0">
+                <a:latin typeface="Times New Roman" pitchFamily="18" charset="0"/>
+                <a:cs typeface="Times New Roman" pitchFamily="18" charset="0"/>
+              </a:rPr>
+              <a:t>thiệu</a:t>
+            </a:r>
+            <a:r>
+              <a:rPr lang="en-US" dirty="0" smtClean="0">
+                <a:latin typeface="Times New Roman" pitchFamily="18" charset="0"/>
+                <a:cs typeface="Times New Roman" pitchFamily="18" charset="0"/>
+              </a:rPr>
+              <a:t> (8)</a:t>
+            </a:r>
+            <a:endParaRPr lang="en-US" dirty="0"/>
+          </a:p>
+        </p:txBody>
+      </p:sp>
+      <p:sp>
+        <p:nvSpPr>
+          <p:cNvPr id="3" name="Content Placeholder 2"/>
+          <p:cNvSpPr>
+            <a:spLocks noGrp="1"/>
+          </p:cNvSpPr>
+          <p:nvPr>
+            <p:ph idx="1"/>
+          </p:nvPr>
+        </p:nvSpPr>
+        <p:spPr/>
+        <p:txBody>
+          <a:bodyPr/>
+          <a:lstStyle/>
+          <a:p>
+            <a:endParaRPr lang="en-US" dirty="0"/>
+          </a:p>
+        </p:txBody>
+      </p:sp>
+      <p:sp>
+        <p:nvSpPr>
+          <p:cNvPr id="4" name="Date Placeholder 3"/>
+          <p:cNvSpPr>
+            <a:spLocks noGrp="1"/>
+          </p:cNvSpPr>
+          <p:nvPr>
+            <p:ph type="dt" sz="half" idx="10"/>
+          </p:nvPr>
+        </p:nvSpPr>
+        <p:spPr/>
+        <p:txBody>
+          <a:bodyPr/>
+          <a:lstStyle/>
+          <a:p>
+            <a:fld id="{FC13EE21-0C48-4609-AAE4-AD74DD06381D}" type="datetime1">
+              <a:rPr lang="en-US" smtClean="0"/>
+              <a:pPr/>
+              <a:t>3/24/2011</a:t>
+            </a:fld>
+            <a:endParaRPr lang="en-US" dirty="0"/>
+          </a:p>
+        </p:txBody>
+      </p:sp>
+      <p:sp>
+        <p:nvSpPr>
+          <p:cNvPr id="5" name="Slide Number Placeholder 4"/>
+          <p:cNvSpPr>
+            <a:spLocks noGrp="1"/>
+          </p:cNvSpPr>
+          <p:nvPr>
+            <p:ph type="sldNum" sz="quarter" idx="12"/>
+          </p:nvPr>
+        </p:nvSpPr>
+        <p:spPr/>
+        <p:txBody>
+          <a:bodyPr/>
+          <a:lstStyle/>
+          <a:p>
+            <a:fld id="{805C85F1-8004-4C57-9BBF-E57BBA7CF0F9}" type="slidenum">
+              <a:rPr lang="en-US" smtClean="0"/>
+              <a:pPr/>
+              <a:t>13</a:t>
             </a:fld>
             <a:endParaRPr lang="en-US"/>
           </a:p>
@@ -9729,7 +10142,7 @@
 </p:sld>
 </file>
 
-<file path=ppt/slides/slide12.xml><?xml version="1.0" encoding="utf-8"?>
+<file path=ppt/slides/slide14.xml><?xml version="1.0" encoding="utf-8"?>
 <p:sld xmlns:a="http://schemas.openxmlformats.org/drawingml/2006/main" xmlns:r="http://schemas.openxmlformats.org/officeDocument/2006/relationships" xmlns:p="http://schemas.openxmlformats.org/presentationml/2006/main">
   <p:cSld>
     <p:spTree>
@@ -9787,14 +10200,7 @@
                 <a:latin typeface="Times New Roman" pitchFamily="18" charset="0"/>
                 <a:cs typeface="Times New Roman" pitchFamily="18" charset="0"/>
               </a:rPr>
-              <a:t> </a:t>
-            </a:r>
-            <a:r>
-              <a:rPr lang="en-US" dirty="0" smtClean="0">
-                <a:latin typeface="Times New Roman" pitchFamily="18" charset="0"/>
-                <a:cs typeface="Times New Roman" pitchFamily="18" charset="0"/>
-              </a:rPr>
-              <a:t>(9)</a:t>
+              <a:t> (9)</a:t>
             </a:r>
             <a:endParaRPr lang="en-US" dirty="0"/>
           </a:p>
@@ -9837,7 +10243,7 @@
             <a:fld id="{FC13EE21-0C48-4609-AAE4-AD74DD06381D}" type="datetime1">
               <a:rPr lang="en-US" smtClean="0"/>
               <a:pPr/>
-              <a:t>3/23/2011</a:t>
+              <a:t>3/24/2011</a:t>
             </a:fld>
             <a:endParaRPr lang="en-US" dirty="0"/>
           </a:p>
@@ -9861,7 +10267,7 @@
             <a:fld id="{805C85F1-8004-4C57-9BBF-E57BBA7CF0F9}" type="slidenum">
               <a:rPr lang="en-US" smtClean="0"/>
               <a:pPr/>
-              <a:t>12</a:t>
+              <a:t>14</a:t>
             </a:fld>
             <a:endParaRPr lang="en-US"/>
           </a:p>
@@ -10025,7 +10431,7 @@
 </p:sld>
 </file>
 
-<file path=ppt/slides/slide13.xml><?xml version="1.0" encoding="utf-8"?>
+<file path=ppt/slides/slide15.xml><?xml version="1.0" encoding="utf-8"?>
 <p:sld xmlns:a="http://schemas.openxmlformats.org/drawingml/2006/main" xmlns:r="http://schemas.openxmlformats.org/officeDocument/2006/relationships" xmlns:p="http://schemas.openxmlformats.org/presentationml/2006/main">
   <p:cSld>
     <p:spTree>
@@ -10083,14 +10489,7 @@
                 <a:latin typeface="Times New Roman" pitchFamily="18" charset="0"/>
                 <a:cs typeface="Times New Roman" pitchFamily="18" charset="0"/>
               </a:rPr>
-              <a:t> </a:t>
-            </a:r>
-            <a:r>
-              <a:rPr lang="en-US" dirty="0" smtClean="0">
-                <a:latin typeface="Times New Roman" pitchFamily="18" charset="0"/>
-                <a:cs typeface="Times New Roman" pitchFamily="18" charset="0"/>
-              </a:rPr>
-              <a:t>(10)</a:t>
+              <a:t> (10)</a:t>
             </a:r>
             <a:endParaRPr lang="en-US" dirty="0"/>
           </a:p>
@@ -10133,7 +10532,7 @@
             <a:fld id="{FC13EE21-0C48-4609-AAE4-AD74DD06381D}" type="datetime1">
               <a:rPr lang="en-US" smtClean="0"/>
               <a:pPr/>
-              <a:t>3/23/2011</a:t>
+              <a:t>3/24/2011</a:t>
             </a:fld>
             <a:endParaRPr lang="en-US" dirty="0"/>
           </a:p>
@@ -10157,7 +10556,7 @@
             <a:fld id="{805C85F1-8004-4C57-9BBF-E57BBA7CF0F9}" type="slidenum">
               <a:rPr lang="en-US" smtClean="0"/>
               <a:pPr/>
-              <a:t>13</a:t>
+              <a:t>15</a:t>
             </a:fld>
             <a:endParaRPr lang="en-US"/>
           </a:p>
@@ -10321,7 +10720,7 @@
 </p:sld>
 </file>
 
-<file path=ppt/slides/slide14.xml><?xml version="1.0" encoding="utf-8"?>
+<file path=ppt/slides/slide16.xml><?xml version="1.0" encoding="utf-8"?>
 <p:sld xmlns:a="http://schemas.openxmlformats.org/drawingml/2006/main" xmlns:r="http://schemas.openxmlformats.org/officeDocument/2006/relationships" xmlns:p="http://schemas.openxmlformats.org/presentationml/2006/main">
   <p:cSld>
     <p:spTree>
@@ -10379,14 +10778,7 @@
                 <a:latin typeface="Times New Roman" pitchFamily="18" charset="0"/>
                 <a:cs typeface="Times New Roman" pitchFamily="18" charset="0"/>
               </a:rPr>
-              <a:t> </a:t>
-            </a:r>
-            <a:r>
-              <a:rPr lang="en-US" dirty="0" smtClean="0">
-                <a:latin typeface="Times New Roman" pitchFamily="18" charset="0"/>
-                <a:cs typeface="Times New Roman" pitchFamily="18" charset="0"/>
-              </a:rPr>
-              <a:t>(11)</a:t>
+              <a:t> (11)</a:t>
             </a:r>
             <a:endParaRPr lang="en-US" dirty="0"/>
           </a:p>
@@ -10436,7 +10828,7 @@
             <a:fld id="{FC13EE21-0C48-4609-AAE4-AD74DD06381D}" type="datetime1">
               <a:rPr lang="en-US" smtClean="0"/>
               <a:pPr/>
-              <a:t>3/23/2011</a:t>
+              <a:t>3/24/2011</a:t>
             </a:fld>
             <a:endParaRPr lang="en-US" dirty="0"/>
           </a:p>
@@ -10460,7 +10852,7 @@
             <a:fld id="{805C85F1-8004-4C57-9BBF-E57BBA7CF0F9}" type="slidenum">
               <a:rPr lang="en-US" smtClean="0"/>
               <a:pPr/>
-              <a:t>14</a:t>
+              <a:t>16</a:t>
             </a:fld>
             <a:endParaRPr lang="en-US"/>
           </a:p>
@@ -10624,7 +11016,7 @@
 </p:sld>
 </file>
 
-<file path=ppt/slides/slide15.xml><?xml version="1.0" encoding="utf-8"?>
+<file path=ppt/slides/slide17.xml><?xml version="1.0" encoding="utf-8"?>
 <p:sld xmlns:a="http://schemas.openxmlformats.org/drawingml/2006/main" xmlns:r="http://schemas.openxmlformats.org/officeDocument/2006/relationships" xmlns:p="http://schemas.openxmlformats.org/presentationml/2006/main">
   <p:cSld>
     <p:spTree>
@@ -10745,7 +11137,7 @@
             <a:fld id="{FC13EE21-0C48-4609-AAE4-AD74DD06381D}" type="datetime1">
               <a:rPr lang="en-US" smtClean="0"/>
               <a:pPr/>
-              <a:t>3/23/2011</a:t>
+              <a:t>3/24/2011</a:t>
             </a:fld>
             <a:endParaRPr lang="en-US" dirty="0"/>
           </a:p>
@@ -10769,7 +11161,7 @@
             <a:fld id="{805C85F1-8004-4C57-9BBF-E57BBA7CF0F9}" type="slidenum">
               <a:rPr lang="en-US" smtClean="0"/>
               <a:pPr/>
-              <a:t>15</a:t>
+              <a:t>17</a:t>
             </a:fld>
             <a:endParaRPr lang="en-US"/>
           </a:p>
@@ -10813,7 +11205,7 @@
 </p:sld>
 </file>
 
-<file path=ppt/slides/slide16.xml><?xml version="1.0" encoding="utf-8"?>
+<file path=ppt/slides/slide18.xml><?xml version="1.0" encoding="utf-8"?>
 <p:sld xmlns:a="http://schemas.openxmlformats.org/drawingml/2006/main" xmlns:r="http://schemas.openxmlformats.org/officeDocument/2006/relationships" xmlns:p="http://schemas.openxmlformats.org/presentationml/2006/main">
   <p:cSld>
     <p:spTree>
@@ -10942,7 +11334,7 @@
             <a:fld id="{FC13EE21-0C48-4609-AAE4-AD74DD06381D}" type="datetime1">
               <a:rPr lang="en-US" smtClean="0"/>
               <a:pPr/>
-              <a:t>3/23/2011</a:t>
+              <a:t>3/24/2011</a:t>
             </a:fld>
             <a:endParaRPr lang="en-US" dirty="0"/>
           </a:p>
@@ -10966,7 +11358,7 @@
             <a:fld id="{805C85F1-8004-4C57-9BBF-E57BBA7CF0F9}" type="slidenum">
               <a:rPr lang="en-US" smtClean="0"/>
               <a:pPr/>
-              <a:t>16</a:t>
+              <a:t>18</a:t>
             </a:fld>
             <a:endParaRPr lang="en-US"/>
           </a:p>
@@ -11010,7 +11402,7 @@
 </p:sld>
 </file>
 
-<file path=ppt/slides/slide17.xml><?xml version="1.0" encoding="utf-8"?>
+<file path=ppt/slides/slide19.xml><?xml version="1.0" encoding="utf-8"?>
 <p:sld xmlns:a="http://schemas.openxmlformats.org/drawingml/2006/main" xmlns:r="http://schemas.openxmlformats.org/officeDocument/2006/relationships" xmlns:p="http://schemas.openxmlformats.org/presentationml/2006/main">
   <p:cSld>
     <p:spTree>
@@ -11111,7 +11503,7 @@
             <a:fld id="{FC13EE21-0C48-4609-AAE4-AD74DD06381D}" type="datetime1">
               <a:rPr lang="en-US" smtClean="0"/>
               <a:pPr/>
-              <a:t>3/23/2011</a:t>
+              <a:t>3/24/2011</a:t>
             </a:fld>
             <a:endParaRPr lang="en-US" dirty="0"/>
           </a:p>
@@ -11135,7 +11527,7 @@
             <a:fld id="{805C85F1-8004-4C57-9BBF-E57BBA7CF0F9}" type="slidenum">
               <a:rPr lang="en-US" smtClean="0"/>
               <a:pPr/>
-              <a:t>17</a:t>
+              <a:t>19</a:t>
             </a:fld>
             <a:endParaRPr lang="en-US"/>
           </a:p>
@@ -11159,7 +11551,7 @@
 </p:sld>
 </file>
 
-<file path=ppt/slides/slide18.xml><?xml version="1.0" encoding="utf-8"?>
+<file path=ppt/slides/slide2.xml><?xml version="1.0" encoding="utf-8"?>
 <p:sld xmlns:a="http://schemas.openxmlformats.org/drawingml/2006/main" xmlns:r="http://schemas.openxmlformats.org/officeDocument/2006/relationships" xmlns:p="http://schemas.openxmlformats.org/presentationml/2006/main">
   <p:cSld>
     <p:spTree>
@@ -11192,6 +11584,143 @@
           <a:lstStyle/>
           <a:p>
             <a:r>
+              <a:rPr lang="en-US" dirty="0" err="1" smtClean="0"/>
+              <a:t>Nội</a:t>
+            </a:r>
+            <a:r>
+              <a:rPr lang="en-US" dirty="0" smtClean="0"/>
+              <a:t> dung</a:t>
+            </a:r>
+            <a:endParaRPr lang="en-US" dirty="0"/>
+          </a:p>
+        </p:txBody>
+      </p:sp>
+      <p:sp>
+        <p:nvSpPr>
+          <p:cNvPr id="4" name="Date Placeholder 3"/>
+          <p:cNvSpPr>
+            <a:spLocks noGrp="1"/>
+          </p:cNvSpPr>
+          <p:nvPr>
+            <p:ph type="dt" sz="half" idx="10"/>
+          </p:nvPr>
+        </p:nvSpPr>
+        <p:spPr/>
+        <p:txBody>
+          <a:bodyPr/>
+          <a:lstStyle/>
+          <a:p>
+            <a:fld id="{FC13EE21-0C48-4609-AAE4-AD74DD06381D}" type="datetime1">
+              <a:rPr lang="en-US" smtClean="0"/>
+              <a:pPr/>
+              <a:t>3/24/2011</a:t>
+            </a:fld>
+            <a:endParaRPr lang="en-US" dirty="0"/>
+          </a:p>
+        </p:txBody>
+      </p:sp>
+      <p:sp>
+        <p:nvSpPr>
+          <p:cNvPr id="5" name="Slide Number Placeholder 4"/>
+          <p:cNvSpPr>
+            <a:spLocks noGrp="1"/>
+          </p:cNvSpPr>
+          <p:nvPr>
+            <p:ph type="sldNum" sz="quarter" idx="12"/>
+          </p:nvPr>
+        </p:nvSpPr>
+        <p:spPr/>
+        <p:txBody>
+          <a:bodyPr/>
+          <a:lstStyle/>
+          <a:p>
+            <a:fld id="{805C85F1-8004-4C57-9BBF-E57BBA7CF0F9}" type="slidenum">
+              <a:rPr lang="en-US" smtClean="0"/>
+              <a:pPr/>
+              <a:t>2</a:t>
+            </a:fld>
+            <a:endParaRPr lang="en-US"/>
+          </a:p>
+        </p:txBody>
+      </p:sp>
+      <p:graphicFrame>
+        <p:nvGraphicFramePr>
+          <p:cNvPr id="6" name="Diagram 5"/>
+          <p:cNvGraphicFramePr/>
+          <p:nvPr>
+            <p:extLst>
+              <p:ext uri="{D42A27DB-BD31-4B8C-83A1-F6EECF244321}">
+                <p14:modId xmlns:p14="http://schemas.microsoft.com/office/powerpoint/2010/main" xmlns="" val="3688130795"/>
+              </p:ext>
+            </p:extLst>
+          </p:nvPr>
+        </p:nvGraphicFramePr>
+        <p:xfrm>
+          <a:off x="228600" y="1371600"/>
+          <a:ext cx="8610600" cy="4267200"/>
+        </p:xfrm>
+        <a:graphic>
+          <a:graphicData uri="http://schemas.openxmlformats.org/drawingml/2006/diagram">
+            <dgm:relIds xmlns:dgm="http://schemas.openxmlformats.org/drawingml/2006/diagram" xmlns:r="http://schemas.openxmlformats.org/officeDocument/2006/relationships" r:dm="rId2" r:lo="rId3" r:qs="rId4" r:cs="rId5"/>
+          </a:graphicData>
+        </a:graphic>
+      </p:graphicFrame>
+    </p:spTree>
+    <p:extLst>
+      <p:ext uri="{BB962C8B-B14F-4D97-AF65-F5344CB8AC3E}">
+        <p14:creationId xmlns:p14="http://schemas.microsoft.com/office/powerpoint/2010/main" xmlns="" val="2658198753"/>
+      </p:ext>
+    </p:extLst>
+  </p:cSld>
+  <p:clrMapOvr>
+    <a:masterClrMapping/>
+  </p:clrMapOvr>
+  <p:transition>
+    <p:fade thruBlk="1"/>
+  </p:transition>
+  <p:timing>
+    <p:tnLst>
+      <p:par>
+        <p:cTn id="1" dur="indefinite" restart="never" nodeType="tmRoot"/>
+      </p:par>
+    </p:tnLst>
+  </p:timing>
+</p:sld>
+</file>
+
+<file path=ppt/slides/slide20.xml><?xml version="1.0" encoding="utf-8"?>
+<p:sld xmlns:a="http://schemas.openxmlformats.org/drawingml/2006/main" xmlns:r="http://schemas.openxmlformats.org/officeDocument/2006/relationships" xmlns:p="http://schemas.openxmlformats.org/presentationml/2006/main">
+  <p:cSld>
+    <p:spTree>
+      <p:nvGrpSpPr>
+        <p:cNvPr id="1" name=""/>
+        <p:cNvGrpSpPr/>
+        <p:nvPr/>
+      </p:nvGrpSpPr>
+      <p:grpSpPr>
+        <a:xfrm>
+          <a:off x="0" y="0"/>
+          <a:ext cx="0" cy="0"/>
+          <a:chOff x="0" y="0"/>
+          <a:chExt cx="0" cy="0"/>
+        </a:xfrm>
+      </p:grpSpPr>
+      <p:sp>
+        <p:nvSpPr>
+          <p:cNvPr id="2" name="Title 1"/>
+          <p:cNvSpPr>
+            <a:spLocks noGrp="1"/>
+          </p:cNvSpPr>
+          <p:nvPr>
+            <p:ph type="title"/>
+          </p:nvPr>
+        </p:nvSpPr>
+        <p:spPr/>
+        <p:txBody>
+          <a:bodyPr/>
+          <a:lstStyle/>
+          <a:p>
+            <a:r>
               <a:rPr lang="en-US" dirty="0" smtClean="0"/>
               <a:t>DFT </a:t>
             </a:r>
@@ -11320,7 +11849,7 @@
             <a:fld id="{FC13EE21-0C48-4609-AAE4-AD74DD06381D}" type="datetime1">
               <a:rPr lang="en-US" smtClean="0"/>
               <a:pPr/>
-              <a:t>3/23/2011</a:t>
+              <a:t>3/24/2011</a:t>
             </a:fld>
             <a:endParaRPr lang="en-US" dirty="0"/>
           </a:p>
@@ -11344,7 +11873,7 @@
             <a:fld id="{805C85F1-8004-4C57-9BBF-E57BBA7CF0F9}" type="slidenum">
               <a:rPr lang="en-US" smtClean="0"/>
               <a:pPr/>
-              <a:t>18</a:t>
+              <a:t>20</a:t>
             </a:fld>
             <a:endParaRPr lang="en-US"/>
           </a:p>
@@ -11496,7 +12025,7 @@
 </p:sld>
 </file>
 
-<file path=ppt/slides/slide19.xml><?xml version="1.0" encoding="utf-8"?>
+<file path=ppt/slides/slide21.xml><?xml version="1.0" encoding="utf-8"?>
 <p:sld xmlns:a="http://schemas.openxmlformats.org/drawingml/2006/main" xmlns:r="http://schemas.openxmlformats.org/officeDocument/2006/relationships" xmlns:p="http://schemas.openxmlformats.org/presentationml/2006/main">
   <p:cSld>
     <p:spTree>
@@ -11657,7 +12186,7 @@
             <a:fld id="{FC13EE21-0C48-4609-AAE4-AD74DD06381D}" type="datetime1">
               <a:rPr lang="en-US" smtClean="0"/>
               <a:pPr/>
-              <a:t>3/23/2011</a:t>
+              <a:t>3/24/2011</a:t>
             </a:fld>
             <a:endParaRPr lang="en-US" dirty="0"/>
           </a:p>
@@ -11681,7 +12210,7 @@
             <a:fld id="{805C85F1-8004-4C57-9BBF-E57BBA7CF0F9}" type="slidenum">
               <a:rPr lang="en-US" smtClean="0"/>
               <a:pPr/>
-              <a:t>19</a:t>
+              <a:t>21</a:t>
             </a:fld>
             <a:endParaRPr lang="en-US"/>
           </a:p>
@@ -11882,7 +12411,7 @@
 </p:sld>
 </file>
 
-<file path=ppt/slides/slide2.xml><?xml version="1.0" encoding="utf-8"?>
+<file path=ppt/slides/slide22.xml><?xml version="1.0" encoding="utf-8"?>
 <p:sld xmlns:a="http://schemas.openxmlformats.org/drawingml/2006/main" xmlns:r="http://schemas.openxmlformats.org/officeDocument/2006/relationships" xmlns:p="http://schemas.openxmlformats.org/presentationml/2006/main">
   <p:cSld>
     <p:spTree>
@@ -11915,143 +12444,6 @@
           <a:lstStyle/>
           <a:p>
             <a:r>
-              <a:rPr lang="en-US" dirty="0" err="1" smtClean="0"/>
-              <a:t>Nội</a:t>
-            </a:r>
-            <a:r>
-              <a:rPr lang="en-US" dirty="0" smtClean="0"/>
-              <a:t> dung</a:t>
-            </a:r>
-            <a:endParaRPr lang="en-US" dirty="0"/>
-          </a:p>
-        </p:txBody>
-      </p:sp>
-      <p:sp>
-        <p:nvSpPr>
-          <p:cNvPr id="4" name="Date Placeholder 3"/>
-          <p:cNvSpPr>
-            <a:spLocks noGrp="1"/>
-          </p:cNvSpPr>
-          <p:nvPr>
-            <p:ph type="dt" sz="half" idx="10"/>
-          </p:nvPr>
-        </p:nvSpPr>
-        <p:spPr/>
-        <p:txBody>
-          <a:bodyPr/>
-          <a:lstStyle/>
-          <a:p>
-            <a:fld id="{FC13EE21-0C48-4609-AAE4-AD74DD06381D}" type="datetime1">
-              <a:rPr lang="en-US" smtClean="0"/>
-              <a:pPr/>
-              <a:t>3/23/2011</a:t>
-            </a:fld>
-            <a:endParaRPr lang="en-US" dirty="0"/>
-          </a:p>
-        </p:txBody>
-      </p:sp>
-      <p:sp>
-        <p:nvSpPr>
-          <p:cNvPr id="5" name="Slide Number Placeholder 4"/>
-          <p:cNvSpPr>
-            <a:spLocks noGrp="1"/>
-          </p:cNvSpPr>
-          <p:nvPr>
-            <p:ph type="sldNum" sz="quarter" idx="12"/>
-          </p:nvPr>
-        </p:nvSpPr>
-        <p:spPr/>
-        <p:txBody>
-          <a:bodyPr/>
-          <a:lstStyle/>
-          <a:p>
-            <a:fld id="{805C85F1-8004-4C57-9BBF-E57BBA7CF0F9}" type="slidenum">
-              <a:rPr lang="en-US" smtClean="0"/>
-              <a:pPr/>
-              <a:t>2</a:t>
-            </a:fld>
-            <a:endParaRPr lang="en-US"/>
-          </a:p>
-        </p:txBody>
-      </p:sp>
-      <p:graphicFrame>
-        <p:nvGraphicFramePr>
-          <p:cNvPr id="6" name="Diagram 5"/>
-          <p:cNvGraphicFramePr/>
-          <p:nvPr>
-            <p:extLst>
-              <p:ext uri="{D42A27DB-BD31-4B8C-83A1-F6EECF244321}">
-                <p14:modId xmlns="" xmlns:p14="http://schemas.microsoft.com/office/powerpoint/2010/main" val="3688130795"/>
-              </p:ext>
-            </p:extLst>
-          </p:nvPr>
-        </p:nvGraphicFramePr>
-        <p:xfrm>
-          <a:off x="228600" y="1371600"/>
-          <a:ext cx="8610600" cy="4267200"/>
-        </p:xfrm>
-        <a:graphic>
-          <a:graphicData uri="http://schemas.openxmlformats.org/drawingml/2006/diagram">
-            <dgm:relIds xmlns:dgm="http://schemas.openxmlformats.org/drawingml/2006/diagram" xmlns:r="http://schemas.openxmlformats.org/officeDocument/2006/relationships" r:dm="rId2" r:lo="rId3" r:qs="rId4" r:cs="rId5"/>
-          </a:graphicData>
-        </a:graphic>
-      </p:graphicFrame>
-    </p:spTree>
-    <p:extLst>
-      <p:ext uri="{BB962C8B-B14F-4D97-AF65-F5344CB8AC3E}">
-        <p14:creationId xmlns="" xmlns:p14="http://schemas.microsoft.com/office/powerpoint/2010/main" val="2658198753"/>
-      </p:ext>
-    </p:extLst>
-  </p:cSld>
-  <p:clrMapOvr>
-    <a:masterClrMapping/>
-  </p:clrMapOvr>
-  <p:transition>
-    <p:fade thruBlk="1"/>
-  </p:transition>
-  <p:timing>
-    <p:tnLst>
-      <p:par>
-        <p:cTn id="1" dur="indefinite" restart="never" nodeType="tmRoot"/>
-      </p:par>
-    </p:tnLst>
-  </p:timing>
-</p:sld>
-</file>
-
-<file path=ppt/slides/slide20.xml><?xml version="1.0" encoding="utf-8"?>
-<p:sld xmlns:a="http://schemas.openxmlformats.org/drawingml/2006/main" xmlns:r="http://schemas.openxmlformats.org/officeDocument/2006/relationships" xmlns:p="http://schemas.openxmlformats.org/presentationml/2006/main">
-  <p:cSld>
-    <p:spTree>
-      <p:nvGrpSpPr>
-        <p:cNvPr id="1" name=""/>
-        <p:cNvGrpSpPr/>
-        <p:nvPr/>
-      </p:nvGrpSpPr>
-      <p:grpSpPr>
-        <a:xfrm>
-          <a:off x="0" y="0"/>
-          <a:ext cx="0" cy="0"/>
-          <a:chOff x="0" y="0"/>
-          <a:chExt cx="0" cy="0"/>
-        </a:xfrm>
-      </p:grpSpPr>
-      <p:sp>
-        <p:nvSpPr>
-          <p:cNvPr id="2" name="Title 1"/>
-          <p:cNvSpPr>
-            <a:spLocks noGrp="1"/>
-          </p:cNvSpPr>
-          <p:nvPr>
-            <p:ph type="title"/>
-          </p:nvPr>
-        </p:nvSpPr>
-        <p:spPr/>
-        <p:txBody>
-          <a:bodyPr/>
-          <a:lstStyle/>
-          <a:p>
-            <a:r>
               <a:rPr lang="en-US" dirty="0" smtClean="0"/>
               <a:t>DFT </a:t>
             </a:r>
@@ -12162,11 +12554,6 @@
               </a:rPr>
               <a:t> </a:t>
             </a:r>
-            <a:endParaRPr lang="en-US" b="1" dirty="0" smtClean="0">
-              <a:solidFill>
-                <a:srgbClr val="0070C0"/>
-              </a:solidFill>
-            </a:endParaRPr>
           </a:p>
           <a:p>
             <a:pPr lvl="1"/>
@@ -12206,7 +12593,6 @@
               <a:rPr lang="en-US" b="1" dirty="0" smtClean="0"/>
               <a:t> </a:t>
             </a:r>
-            <a:endParaRPr lang="en-US" b="1" dirty="0" smtClean="0"/>
           </a:p>
         </p:txBody>
       </p:sp>
@@ -12228,7 +12614,7 @@
             <a:fld id="{FC13EE21-0C48-4609-AAE4-AD74DD06381D}" type="datetime1">
               <a:rPr lang="en-US" smtClean="0"/>
               <a:pPr/>
-              <a:t>3/23/2011</a:t>
+              <a:t>3/24/2011</a:t>
             </a:fld>
             <a:endParaRPr lang="en-US" dirty="0"/>
           </a:p>
@@ -12252,7 +12638,7 @@
             <a:fld id="{805C85F1-8004-4C57-9BBF-E57BBA7CF0F9}" type="slidenum">
               <a:rPr lang="en-US" smtClean="0"/>
               <a:pPr/>
-              <a:t>20</a:t>
+              <a:t>22</a:t>
             </a:fld>
             <a:endParaRPr lang="en-US"/>
           </a:p>
@@ -12409,7 +12795,7 @@
 </p:sld>
 </file>
 
-<file path=ppt/slides/slide21.xml><?xml version="1.0" encoding="utf-8"?>
+<file path=ppt/slides/slide23.xml><?xml version="1.0" encoding="utf-8"?>
 <p:sld xmlns:a="http://schemas.openxmlformats.org/drawingml/2006/main" xmlns:r="http://schemas.openxmlformats.org/officeDocument/2006/relationships" xmlns:p="http://schemas.openxmlformats.org/presentationml/2006/main">
   <p:cSld>
     <p:spTree>
@@ -12612,7 +12998,7 @@
             <a:fld id="{FC13EE21-0C48-4609-AAE4-AD74DD06381D}" type="datetime1">
               <a:rPr lang="en-US" smtClean="0"/>
               <a:pPr/>
-              <a:t>3/23/2011</a:t>
+              <a:t>3/24/2011</a:t>
             </a:fld>
             <a:endParaRPr lang="en-US" dirty="0"/>
           </a:p>
@@ -12636,7 +13022,7 @@
             <a:fld id="{805C85F1-8004-4C57-9BBF-E57BBA7CF0F9}" type="slidenum">
               <a:rPr lang="en-US" smtClean="0"/>
               <a:pPr/>
-              <a:t>21</a:t>
+              <a:t>23</a:t>
             </a:fld>
             <a:endParaRPr lang="en-US"/>
           </a:p>
@@ -12931,7 +13317,7 @@
 </p:sld>
 </file>
 
-<file path=ppt/slides/slide22.xml><?xml version="1.0" encoding="utf-8"?>
+<file path=ppt/slides/slide24.xml><?xml version="1.0" encoding="utf-8"?>
 <p:sld xmlns:a="http://schemas.openxmlformats.org/drawingml/2006/main" xmlns:r="http://schemas.openxmlformats.org/officeDocument/2006/relationships" xmlns:p="http://schemas.openxmlformats.org/presentationml/2006/main">
   <p:cSld>
     <p:spTree>
@@ -13090,11 +13476,6 @@
               </a:rPr>
               <a:t> DFT</a:t>
             </a:r>
-            <a:endParaRPr lang="en-US" b="1" dirty="0" smtClean="0">
-              <a:solidFill>
-                <a:srgbClr val="0070C0"/>
-              </a:solidFill>
-            </a:endParaRPr>
           </a:p>
         </p:txBody>
       </p:sp>
@@ -13116,7 +13497,7 @@
             <a:fld id="{FC13EE21-0C48-4609-AAE4-AD74DD06381D}" type="datetime1">
               <a:rPr lang="en-US" smtClean="0"/>
               <a:pPr/>
-              <a:t>3/23/2011</a:t>
+              <a:t>3/24/2011</a:t>
             </a:fld>
             <a:endParaRPr lang="en-US" dirty="0"/>
           </a:p>
@@ -13140,7 +13521,7 @@
             <a:fld id="{805C85F1-8004-4C57-9BBF-E57BBA7CF0F9}" type="slidenum">
               <a:rPr lang="en-US" smtClean="0"/>
               <a:pPr/>
-              <a:t>22</a:t>
+              <a:t>24</a:t>
             </a:fld>
             <a:endParaRPr lang="en-US"/>
           </a:p>
@@ -13190,7 +13571,7 @@
 </p:sld>
 </file>
 
-<file path=ppt/slides/slide23.xml><?xml version="1.0" encoding="utf-8"?>
+<file path=ppt/slides/slide25.xml><?xml version="1.0" encoding="utf-8"?>
 <p:sld xmlns:a="http://schemas.openxmlformats.org/drawingml/2006/main" xmlns:r="http://schemas.openxmlformats.org/officeDocument/2006/relationships" xmlns:p="http://schemas.openxmlformats.org/presentationml/2006/main">
   <p:cSld>
     <p:spTree>
@@ -13335,7 +13716,7 @@
             <a:fld id="{FC13EE21-0C48-4609-AAE4-AD74DD06381D}" type="datetime1">
               <a:rPr lang="en-US" smtClean="0"/>
               <a:pPr/>
-              <a:t>3/23/2011</a:t>
+              <a:t>3/24/2011</a:t>
             </a:fld>
             <a:endParaRPr lang="en-US" dirty="0"/>
           </a:p>
@@ -13359,7 +13740,7 @@
             <a:fld id="{805C85F1-8004-4C57-9BBF-E57BBA7CF0F9}" type="slidenum">
               <a:rPr lang="en-US" smtClean="0"/>
               <a:pPr/>
-              <a:t>23</a:t>
+              <a:t>25</a:t>
             </a:fld>
             <a:endParaRPr lang="en-US"/>
           </a:p>
@@ -13408,546 +13789,6 @@
 </p:sld>
 </file>
 
-<file path=ppt/slides/slide24.xml><?xml version="1.0" encoding="utf-8"?>
-<p:sld xmlns:a="http://schemas.openxmlformats.org/drawingml/2006/main" xmlns:r="http://schemas.openxmlformats.org/officeDocument/2006/relationships" xmlns:p="http://schemas.openxmlformats.org/presentationml/2006/main">
-  <p:cSld>
-    <p:spTree>
-      <p:nvGrpSpPr>
-        <p:cNvPr id="1" name=""/>
-        <p:cNvGrpSpPr/>
-        <p:nvPr/>
-      </p:nvGrpSpPr>
-      <p:grpSpPr>
-        <a:xfrm>
-          <a:off x="0" y="0"/>
-          <a:ext cx="0" cy="0"/>
-          <a:chOff x="0" y="0"/>
-          <a:chExt cx="0" cy="0"/>
-        </a:xfrm>
-      </p:grpSpPr>
-      <p:sp>
-        <p:nvSpPr>
-          <p:cNvPr id="2" name="Title 1"/>
-          <p:cNvSpPr>
-            <a:spLocks noGrp="1"/>
-          </p:cNvSpPr>
-          <p:nvPr>
-            <p:ph type="title"/>
-          </p:nvPr>
-        </p:nvSpPr>
-        <p:spPr/>
-        <p:txBody>
-          <a:bodyPr/>
-          <a:lstStyle/>
-          <a:p>
-            <a:r>
-              <a:rPr lang="en-US" dirty="0" smtClean="0"/>
-              <a:t>DFT </a:t>
-            </a:r>
-            <a:r>
-              <a:rPr lang="en-US" dirty="0" err="1" smtClean="0"/>
-              <a:t>trên</a:t>
-            </a:r>
-            <a:r>
-              <a:rPr lang="en-US" dirty="0" smtClean="0"/>
-              <a:t> </a:t>
-            </a:r>
-            <a:r>
-              <a:rPr lang="en-US" dirty="0" err="1" smtClean="0"/>
-              <a:t>ảnh</a:t>
-            </a:r>
-            <a:r>
-              <a:rPr lang="en-US" dirty="0" smtClean="0"/>
-              <a:t> </a:t>
-            </a:r>
-            <a:r>
-              <a:rPr lang="en-US" dirty="0" err="1" smtClean="0"/>
-              <a:t>số</a:t>
-            </a:r>
-            <a:r>
-              <a:rPr lang="en-US" dirty="0" smtClean="0"/>
-              <a:t> ()</a:t>
-            </a:r>
-            <a:endParaRPr lang="en-US" dirty="0"/>
-          </a:p>
-        </p:txBody>
-      </p:sp>
-      <p:sp>
-        <p:nvSpPr>
-          <p:cNvPr id="3" name="Content Placeholder 2"/>
-          <p:cNvSpPr>
-            <a:spLocks noGrp="1"/>
-          </p:cNvSpPr>
-          <p:nvPr>
-            <p:ph idx="1"/>
-          </p:nvPr>
-        </p:nvSpPr>
-        <p:spPr/>
-        <p:txBody>
-          <a:bodyPr/>
-          <a:lstStyle/>
-          <a:p>
-            <a:r>
-              <a:rPr lang="en-US" b="1" dirty="0" smtClean="0">
-                <a:solidFill>
-                  <a:srgbClr val="0070C0"/>
-                </a:solidFill>
-              </a:rPr>
-              <a:t>Chi </a:t>
-            </a:r>
-            <a:r>
-              <a:rPr lang="en-US" b="1" dirty="0" err="1" smtClean="0">
-                <a:solidFill>
-                  <a:srgbClr val="0070C0"/>
-                </a:solidFill>
-              </a:rPr>
-              <a:t>tiết</a:t>
-            </a:r>
-            <a:r>
-              <a:rPr lang="en-US" b="1" dirty="0" smtClean="0">
-                <a:solidFill>
-                  <a:srgbClr val="0070C0"/>
-                </a:solidFill>
-              </a:rPr>
-              <a:t> </a:t>
-            </a:r>
-            <a:r>
-              <a:rPr lang="en-US" b="1" dirty="0" err="1" smtClean="0">
-                <a:solidFill>
-                  <a:srgbClr val="0070C0"/>
-                </a:solidFill>
-              </a:rPr>
-              <a:t>hóa</a:t>
-            </a:r>
-            <a:endParaRPr lang="en-US" b="1" dirty="0" smtClean="0">
-              <a:solidFill>
-                <a:srgbClr val="0070C0"/>
-              </a:solidFill>
-            </a:endParaRPr>
-          </a:p>
-        </p:txBody>
-      </p:sp>
-      <p:sp>
-        <p:nvSpPr>
-          <p:cNvPr id="4" name="Date Placeholder 3"/>
-          <p:cNvSpPr>
-            <a:spLocks noGrp="1"/>
-          </p:cNvSpPr>
-          <p:nvPr>
-            <p:ph type="dt" sz="half" idx="10"/>
-          </p:nvPr>
-        </p:nvSpPr>
-        <p:spPr/>
-        <p:txBody>
-          <a:bodyPr/>
-          <a:lstStyle/>
-          <a:p>
-            <a:fld id="{FC13EE21-0C48-4609-AAE4-AD74DD06381D}" type="datetime1">
-              <a:rPr lang="en-US" smtClean="0"/>
-              <a:pPr/>
-              <a:t>3/23/2011</a:t>
-            </a:fld>
-            <a:endParaRPr lang="en-US" dirty="0"/>
-          </a:p>
-        </p:txBody>
-      </p:sp>
-      <p:sp>
-        <p:nvSpPr>
-          <p:cNvPr id="5" name="Slide Number Placeholder 4"/>
-          <p:cNvSpPr>
-            <a:spLocks noGrp="1"/>
-          </p:cNvSpPr>
-          <p:nvPr>
-            <p:ph type="sldNum" sz="quarter" idx="12"/>
-          </p:nvPr>
-        </p:nvSpPr>
-        <p:spPr/>
-        <p:txBody>
-          <a:bodyPr/>
-          <a:lstStyle/>
-          <a:p>
-            <a:fld id="{805C85F1-8004-4C57-9BBF-E57BBA7CF0F9}" type="slidenum">
-              <a:rPr lang="en-US" smtClean="0"/>
-              <a:pPr/>
-              <a:t>24</a:t>
-            </a:fld>
-            <a:endParaRPr lang="en-US"/>
-          </a:p>
-        </p:txBody>
-      </p:sp>
-      <p:graphicFrame>
-        <p:nvGraphicFramePr>
-          <p:cNvPr id="6" name="Object 2"/>
-          <p:cNvGraphicFramePr>
-            <a:graphicFrameLocks noChangeAspect="1"/>
-          </p:cNvGraphicFramePr>
-          <p:nvPr/>
-        </p:nvGraphicFramePr>
-        <p:xfrm>
-          <a:off x="1143000" y="1676400"/>
-          <a:ext cx="7384503" cy="4797424"/>
-        </p:xfrm>
-        <a:graphic>
-          <a:graphicData uri="http://schemas.openxmlformats.org/presentationml/2006/ole">
-            <p:oleObj spid="_x0000_s81922" name="CorelPhotoPaint.Image.11" r:id="rId3" imgW="4236549" imgH="2983619" progId="CorelPhotoPaint.Image.11">
-              <p:embed/>
-            </p:oleObj>
-          </a:graphicData>
-        </a:graphic>
-      </p:graphicFrame>
-      <p:sp>
-        <p:nvSpPr>
-          <p:cNvPr id="7" name="Text Box 5"/>
-          <p:cNvSpPr txBox="1">
-            <a:spLocks noChangeArrowheads="1"/>
-          </p:cNvSpPr>
-          <p:nvPr/>
-        </p:nvSpPr>
-        <p:spPr bwMode="auto">
-          <a:xfrm rot="16200000">
-            <a:off x="-2551" y="2517151"/>
-            <a:ext cx="1746034" cy="369332"/>
-          </a:xfrm>
-          <a:prstGeom prst="rect">
-            <a:avLst/>
-          </a:prstGeom>
-          <a:noFill/>
-          <a:ln w="12700">
-            <a:noFill/>
-            <a:miter lim="800000"/>
-            <a:headEnd/>
-            <a:tailEnd/>
-          </a:ln>
-        </p:spPr>
-        <p:txBody>
-          <a:bodyPr wrap="square">
-            <a:spAutoFit/>
-          </a:bodyPr>
-          <a:lstStyle/>
-          <a:p>
-            <a:pPr algn="ctr"/>
-            <a:r>
-              <a:rPr lang="en-IE" dirty="0" smtClean="0">
-                <a:solidFill>
-                  <a:srgbClr val="00B050"/>
-                </a:solidFill>
-              </a:rPr>
-              <a:t>Original image</a:t>
-            </a:r>
-            <a:endParaRPr lang="en-US" dirty="0">
-              <a:solidFill>
-                <a:srgbClr val="00B050"/>
-              </a:solidFill>
-            </a:endParaRPr>
-          </a:p>
-        </p:txBody>
-      </p:sp>
-      <p:sp>
-        <p:nvSpPr>
-          <p:cNvPr id="8" name="Text Box 6"/>
-          <p:cNvSpPr txBox="1">
-            <a:spLocks noChangeArrowheads="1"/>
-          </p:cNvSpPr>
-          <p:nvPr/>
-        </p:nvSpPr>
-        <p:spPr bwMode="auto">
-          <a:xfrm rot="5400000">
-            <a:off x="7673261" y="2577008"/>
-            <a:ext cx="2295146" cy="646331"/>
-          </a:xfrm>
-          <a:prstGeom prst="rect">
-            <a:avLst/>
-          </a:prstGeom>
-          <a:noFill/>
-          <a:ln w="12700">
-            <a:noFill/>
-            <a:miter lim="800000"/>
-            <a:headEnd/>
-            <a:tailEnd/>
-          </a:ln>
-        </p:spPr>
-        <p:txBody>
-          <a:bodyPr wrap="square">
-            <a:spAutoFit/>
-          </a:bodyPr>
-          <a:lstStyle/>
-          <a:p>
-            <a:pPr algn="ctr"/>
-            <a:r>
-              <a:rPr lang="en-IE" dirty="0" err="1">
-                <a:solidFill>
-                  <a:srgbClr val="00B050"/>
-                </a:solidFill>
-              </a:rPr>
-              <a:t>Highpass</a:t>
-            </a:r>
-            <a:r>
-              <a:rPr lang="en-IE" dirty="0">
-                <a:solidFill>
-                  <a:srgbClr val="00B050"/>
-                </a:solidFill>
-              </a:rPr>
-              <a:t> filtering result</a:t>
-            </a:r>
-            <a:endParaRPr lang="en-US" dirty="0">
-              <a:solidFill>
-                <a:srgbClr val="00B050"/>
-              </a:solidFill>
-            </a:endParaRPr>
-          </a:p>
-        </p:txBody>
-      </p:sp>
-      <p:sp>
-        <p:nvSpPr>
-          <p:cNvPr id="9" name="Text Box 7"/>
-          <p:cNvSpPr txBox="1">
-            <a:spLocks noChangeArrowheads="1"/>
-          </p:cNvSpPr>
-          <p:nvPr/>
-        </p:nvSpPr>
-        <p:spPr bwMode="auto">
-          <a:xfrm rot="16200000">
-            <a:off x="-258952" y="4830952"/>
-            <a:ext cx="1746034" cy="923330"/>
-          </a:xfrm>
-          <a:prstGeom prst="rect">
-            <a:avLst/>
-          </a:prstGeom>
-          <a:noFill/>
-          <a:ln w="12700">
-            <a:noFill/>
-            <a:miter lim="800000"/>
-            <a:headEnd/>
-            <a:tailEnd/>
-          </a:ln>
-        </p:spPr>
-        <p:txBody>
-          <a:bodyPr wrap="square">
-            <a:spAutoFit/>
-          </a:bodyPr>
-          <a:lstStyle/>
-          <a:p>
-            <a:pPr algn="ctr"/>
-            <a:r>
-              <a:rPr lang="en-IE" dirty="0" smtClean="0">
-                <a:solidFill>
-                  <a:srgbClr val="00B050"/>
-                </a:solidFill>
-              </a:rPr>
-              <a:t>High frequency emphasis result</a:t>
-            </a:r>
-            <a:endParaRPr lang="en-US" dirty="0">
-              <a:solidFill>
-                <a:srgbClr val="00B050"/>
-              </a:solidFill>
-            </a:endParaRPr>
-          </a:p>
-        </p:txBody>
-      </p:sp>
-      <p:sp>
-        <p:nvSpPr>
-          <p:cNvPr id="10" name="Text Box 8"/>
-          <p:cNvSpPr txBox="1">
-            <a:spLocks noChangeArrowheads="1"/>
-          </p:cNvSpPr>
-          <p:nvPr/>
-        </p:nvSpPr>
-        <p:spPr bwMode="auto">
-          <a:xfrm rot="5400000">
-            <a:off x="7673262" y="5015407"/>
-            <a:ext cx="2295144" cy="646331"/>
-          </a:xfrm>
-          <a:prstGeom prst="rect">
-            <a:avLst/>
-          </a:prstGeom>
-          <a:noFill/>
-          <a:ln w="12700">
-            <a:noFill/>
-            <a:miter lim="800000"/>
-            <a:headEnd/>
-            <a:tailEnd/>
-          </a:ln>
-        </p:spPr>
-        <p:txBody>
-          <a:bodyPr wrap="square">
-            <a:spAutoFit/>
-          </a:bodyPr>
-          <a:lstStyle/>
-          <a:p>
-            <a:pPr algn="ctr"/>
-            <a:r>
-              <a:rPr lang="en-IE" dirty="0" smtClean="0">
-                <a:solidFill>
-                  <a:srgbClr val="00B050"/>
-                </a:solidFill>
-              </a:rPr>
-              <a:t>After histogram equalisation</a:t>
-            </a:r>
-            <a:endParaRPr lang="en-US" dirty="0">
-              <a:solidFill>
-                <a:srgbClr val="00B050"/>
-              </a:solidFill>
-            </a:endParaRPr>
-          </a:p>
-        </p:txBody>
-      </p:sp>
-    </p:spTree>
-  </p:cSld>
-  <p:clrMapOvr>
-    <a:masterClrMapping/>
-  </p:clrMapOvr>
-  <p:transition>
-    <p:fade thruBlk="1"/>
-  </p:transition>
-</p:sld>
-</file>
-
-<file path=ppt/slides/slide25.xml><?xml version="1.0" encoding="utf-8"?>
-<p:sld xmlns:a="http://schemas.openxmlformats.org/drawingml/2006/main" xmlns:r="http://schemas.openxmlformats.org/officeDocument/2006/relationships" xmlns:p="http://schemas.openxmlformats.org/presentationml/2006/main">
-  <p:cSld>
-    <p:spTree>
-      <p:nvGrpSpPr>
-        <p:cNvPr id="1" name=""/>
-        <p:cNvGrpSpPr/>
-        <p:nvPr/>
-      </p:nvGrpSpPr>
-      <p:grpSpPr>
-        <a:xfrm>
-          <a:off x="0" y="0"/>
-          <a:ext cx="0" cy="0"/>
-          <a:chOff x="0" y="0"/>
-          <a:chExt cx="0" cy="0"/>
-        </a:xfrm>
-      </p:grpSpPr>
-      <p:sp>
-        <p:nvSpPr>
-          <p:cNvPr id="2" name="Title 1"/>
-          <p:cNvSpPr>
-            <a:spLocks noGrp="1"/>
-          </p:cNvSpPr>
-          <p:nvPr>
-            <p:ph type="title"/>
-          </p:nvPr>
-        </p:nvSpPr>
-        <p:spPr/>
-        <p:txBody>
-          <a:bodyPr/>
-          <a:lstStyle/>
-          <a:p>
-            <a:r>
-              <a:rPr lang="en-US" dirty="0" err="1" smtClean="0"/>
-              <a:t>Ẩn</a:t>
-            </a:r>
-            <a:r>
-              <a:rPr lang="en-US" dirty="0" smtClean="0"/>
-              <a:t> </a:t>
-            </a:r>
-            <a:r>
-              <a:rPr lang="en-US" dirty="0" err="1" smtClean="0"/>
-              <a:t>dữ</a:t>
-            </a:r>
-            <a:r>
-              <a:rPr lang="en-US" dirty="0" smtClean="0"/>
-              <a:t> </a:t>
-            </a:r>
-            <a:r>
-              <a:rPr lang="en-US" dirty="0" err="1" smtClean="0"/>
-              <a:t>liệu</a:t>
-            </a:r>
-            <a:r>
-              <a:rPr lang="en-US" dirty="0" smtClean="0"/>
-              <a:t> </a:t>
-            </a:r>
-            <a:r>
-              <a:rPr lang="en-US" dirty="0" err="1" smtClean="0"/>
-              <a:t>bằng</a:t>
-            </a:r>
-            <a:r>
-              <a:rPr lang="en-US" dirty="0" smtClean="0"/>
-              <a:t> DFT ()</a:t>
-            </a:r>
-            <a:endParaRPr lang="en-US" dirty="0"/>
-          </a:p>
-        </p:txBody>
-      </p:sp>
-      <p:sp>
-        <p:nvSpPr>
-          <p:cNvPr id="3" name="Content Placeholder 2"/>
-          <p:cNvSpPr>
-            <a:spLocks noGrp="1"/>
-          </p:cNvSpPr>
-          <p:nvPr>
-            <p:ph idx="1"/>
-          </p:nvPr>
-        </p:nvSpPr>
-        <p:spPr/>
-        <p:txBody>
-          <a:bodyPr/>
-          <a:lstStyle/>
-          <a:p>
-            <a:endParaRPr lang="en-US" dirty="0"/>
-          </a:p>
-        </p:txBody>
-      </p:sp>
-      <p:sp>
-        <p:nvSpPr>
-          <p:cNvPr id="4" name="Date Placeholder 3"/>
-          <p:cNvSpPr>
-            <a:spLocks noGrp="1"/>
-          </p:cNvSpPr>
-          <p:nvPr>
-            <p:ph type="dt" sz="half" idx="10"/>
-          </p:nvPr>
-        </p:nvSpPr>
-        <p:spPr/>
-        <p:txBody>
-          <a:bodyPr/>
-          <a:lstStyle/>
-          <a:p>
-            <a:fld id="{FC13EE21-0C48-4609-AAE4-AD74DD06381D}" type="datetime1">
-              <a:rPr lang="en-US" smtClean="0"/>
-              <a:pPr/>
-              <a:t>3/23/2011</a:t>
-            </a:fld>
-            <a:endParaRPr lang="en-US" dirty="0"/>
-          </a:p>
-        </p:txBody>
-      </p:sp>
-      <p:sp>
-        <p:nvSpPr>
-          <p:cNvPr id="5" name="Slide Number Placeholder 4"/>
-          <p:cNvSpPr>
-            <a:spLocks noGrp="1"/>
-          </p:cNvSpPr>
-          <p:nvPr>
-            <p:ph type="sldNum" sz="quarter" idx="12"/>
-          </p:nvPr>
-        </p:nvSpPr>
-        <p:spPr/>
-        <p:txBody>
-          <a:bodyPr/>
-          <a:lstStyle/>
-          <a:p>
-            <a:fld id="{805C85F1-8004-4C57-9BBF-E57BBA7CF0F9}" type="slidenum">
-              <a:rPr lang="en-US" smtClean="0"/>
-              <a:pPr/>
-              <a:t>25</a:t>
-            </a:fld>
-            <a:endParaRPr lang="en-US"/>
-          </a:p>
-        </p:txBody>
-      </p:sp>
-    </p:spTree>
-  </p:cSld>
-  <p:clrMapOvr>
-    <a:masterClrMapping/>
-  </p:clrMapOvr>
-  <p:transition>
-    <p:fade thruBlk="1"/>
-  </p:transition>
-</p:sld>
-</file>
-
 <file path=ppt/slides/slide26.xml><?xml version="1.0" encoding="utf-8"?>
 <p:sld xmlns:a="http://schemas.openxmlformats.org/drawingml/2006/main" xmlns:r="http://schemas.openxmlformats.org/officeDocument/2006/relationships" xmlns:p="http://schemas.openxmlformats.org/presentationml/2006/main">
   <p:cSld>
@@ -13981,8 +13822,12 @@
           <a:lstStyle/>
           <a:p>
             <a:r>
+              <a:rPr lang="en-US" dirty="0" smtClean="0"/>
+              <a:t>DFT </a:t>
+            </a:r>
+            <a:r>
               <a:rPr lang="en-US" dirty="0" err="1" smtClean="0"/>
-              <a:t>Ẩn</a:t>
+              <a:t>trên</a:t>
             </a:r>
             <a:r>
               <a:rPr lang="en-US" dirty="0" smtClean="0"/>
@@ -13990,7 +13835,7 @@
             </a:r>
             <a:r>
               <a:rPr lang="en-US" dirty="0" err="1" smtClean="0"/>
-              <a:t>dữ</a:t>
+              <a:t>ảnh</a:t>
             </a:r>
             <a:r>
               <a:rPr lang="en-US" dirty="0" smtClean="0"/>
@@ -13998,19 +13843,11 @@
             </a:r>
             <a:r>
               <a:rPr lang="en-US" dirty="0" err="1" smtClean="0"/>
-              <a:t>liệu</a:t>
+              <a:t>số</a:t>
             </a:r>
             <a:r>
               <a:rPr lang="en-US" dirty="0" smtClean="0"/>
-              <a:t> </a:t>
-            </a:r>
-            <a:r>
-              <a:rPr lang="en-US" dirty="0" err="1" smtClean="0"/>
-              <a:t>bằng</a:t>
-            </a:r>
-            <a:r>
-              <a:rPr lang="en-US" dirty="0" smtClean="0"/>
-              <a:t> DFT ()</a:t>
+              <a:t> ()</a:t>
             </a:r>
             <a:endParaRPr lang="en-US" dirty="0"/>
           </a:p>
@@ -14031,7 +13868,43 @@
           <a:bodyPr/>
           <a:lstStyle/>
           <a:p>
-            <a:endParaRPr lang="en-US" dirty="0"/>
+            <a:r>
+              <a:rPr lang="en-US" b="1" dirty="0" smtClean="0">
+                <a:solidFill>
+                  <a:srgbClr val="0070C0"/>
+                </a:solidFill>
+              </a:rPr>
+              <a:t>Chi </a:t>
+            </a:r>
+            <a:r>
+              <a:rPr lang="en-US" b="1" dirty="0" err="1" smtClean="0">
+                <a:solidFill>
+                  <a:srgbClr val="0070C0"/>
+                </a:solidFill>
+              </a:rPr>
+              <a:t>tiết</a:t>
+            </a:r>
+            <a:r>
+              <a:rPr lang="en-US" b="1" dirty="0" smtClean="0">
+                <a:solidFill>
+                  <a:srgbClr val="0070C0"/>
+                </a:solidFill>
+              </a:rPr>
+              <a:t> </a:t>
+            </a:r>
+            <a:r>
+              <a:rPr lang="en-US" b="1" dirty="0" err="1" smtClean="0">
+                <a:solidFill>
+                  <a:srgbClr val="0070C0"/>
+                </a:solidFill>
+              </a:rPr>
+              <a:t>hóa</a:t>
+            </a:r>
+            <a:endParaRPr lang="en-US" b="1" dirty="0" smtClean="0">
+              <a:solidFill>
+                <a:srgbClr val="0070C0"/>
+              </a:solidFill>
+            </a:endParaRPr>
           </a:p>
         </p:txBody>
       </p:sp>
@@ -14053,7 +13926,7 @@
             <a:fld id="{FC13EE21-0C48-4609-AAE4-AD74DD06381D}" type="datetime1">
               <a:rPr lang="en-US" smtClean="0"/>
               <a:pPr/>
-              <a:t>3/23/2011</a:t>
+              <a:t>3/24/2011</a:t>
             </a:fld>
             <a:endParaRPr lang="en-US" dirty="0"/>
           </a:p>
@@ -14078,6 +13951,514 @@
               <a:rPr lang="en-US" smtClean="0"/>
               <a:pPr/>
               <a:t>26</a:t>
+            </a:fld>
+            <a:endParaRPr lang="en-US"/>
+          </a:p>
+        </p:txBody>
+      </p:sp>
+      <p:graphicFrame>
+        <p:nvGraphicFramePr>
+          <p:cNvPr id="6" name="Object 2"/>
+          <p:cNvGraphicFramePr>
+            <a:graphicFrameLocks noChangeAspect="1"/>
+          </p:cNvGraphicFramePr>
+          <p:nvPr/>
+        </p:nvGraphicFramePr>
+        <p:xfrm>
+          <a:off x="1143000" y="1676400"/>
+          <a:ext cx="7384503" cy="4797424"/>
+        </p:xfrm>
+        <a:graphic>
+          <a:graphicData uri="http://schemas.openxmlformats.org/presentationml/2006/ole">
+            <p:oleObj spid="_x0000_s81922" name="CorelPhotoPaint.Image.11" r:id="rId3" imgW="4236549" imgH="2983619" progId="">
+              <p:embed/>
+            </p:oleObj>
+          </a:graphicData>
+        </a:graphic>
+      </p:graphicFrame>
+      <p:sp>
+        <p:nvSpPr>
+          <p:cNvPr id="7" name="Text Box 5"/>
+          <p:cNvSpPr txBox="1">
+            <a:spLocks noChangeArrowheads="1"/>
+          </p:cNvSpPr>
+          <p:nvPr/>
+        </p:nvSpPr>
+        <p:spPr bwMode="auto">
+          <a:xfrm rot="16200000">
+            <a:off x="-2551" y="2517151"/>
+            <a:ext cx="1746034" cy="369332"/>
+          </a:xfrm>
+          <a:prstGeom prst="rect">
+            <a:avLst/>
+          </a:prstGeom>
+          <a:noFill/>
+          <a:ln w="12700">
+            <a:noFill/>
+            <a:miter lim="800000"/>
+            <a:headEnd/>
+            <a:tailEnd/>
+          </a:ln>
+        </p:spPr>
+        <p:txBody>
+          <a:bodyPr wrap="square">
+            <a:spAutoFit/>
+          </a:bodyPr>
+          <a:lstStyle/>
+          <a:p>
+            <a:pPr algn="ctr"/>
+            <a:r>
+              <a:rPr lang="en-IE" dirty="0" smtClean="0">
+                <a:solidFill>
+                  <a:srgbClr val="00B050"/>
+                </a:solidFill>
+              </a:rPr>
+              <a:t>Original image</a:t>
+            </a:r>
+            <a:endParaRPr lang="en-US" dirty="0">
+              <a:solidFill>
+                <a:srgbClr val="00B050"/>
+              </a:solidFill>
+            </a:endParaRPr>
+          </a:p>
+        </p:txBody>
+      </p:sp>
+      <p:sp>
+        <p:nvSpPr>
+          <p:cNvPr id="8" name="Text Box 6"/>
+          <p:cNvSpPr txBox="1">
+            <a:spLocks noChangeArrowheads="1"/>
+          </p:cNvSpPr>
+          <p:nvPr/>
+        </p:nvSpPr>
+        <p:spPr bwMode="auto">
+          <a:xfrm rot="5400000">
+            <a:off x="7673261" y="2577008"/>
+            <a:ext cx="2295146" cy="646331"/>
+          </a:xfrm>
+          <a:prstGeom prst="rect">
+            <a:avLst/>
+          </a:prstGeom>
+          <a:noFill/>
+          <a:ln w="12700">
+            <a:noFill/>
+            <a:miter lim="800000"/>
+            <a:headEnd/>
+            <a:tailEnd/>
+          </a:ln>
+        </p:spPr>
+        <p:txBody>
+          <a:bodyPr wrap="square">
+            <a:spAutoFit/>
+          </a:bodyPr>
+          <a:lstStyle/>
+          <a:p>
+            <a:pPr algn="ctr"/>
+            <a:r>
+              <a:rPr lang="en-IE" dirty="0" err="1">
+                <a:solidFill>
+                  <a:srgbClr val="00B050"/>
+                </a:solidFill>
+              </a:rPr>
+              <a:t>Highpass</a:t>
+            </a:r>
+            <a:r>
+              <a:rPr lang="en-IE" dirty="0">
+                <a:solidFill>
+                  <a:srgbClr val="00B050"/>
+                </a:solidFill>
+              </a:rPr>
+              <a:t> filtering result</a:t>
+            </a:r>
+            <a:endParaRPr lang="en-US" dirty="0">
+              <a:solidFill>
+                <a:srgbClr val="00B050"/>
+              </a:solidFill>
+            </a:endParaRPr>
+          </a:p>
+        </p:txBody>
+      </p:sp>
+      <p:sp>
+        <p:nvSpPr>
+          <p:cNvPr id="9" name="Text Box 7"/>
+          <p:cNvSpPr txBox="1">
+            <a:spLocks noChangeArrowheads="1"/>
+          </p:cNvSpPr>
+          <p:nvPr/>
+        </p:nvSpPr>
+        <p:spPr bwMode="auto">
+          <a:xfrm rot="16200000">
+            <a:off x="-258952" y="4830952"/>
+            <a:ext cx="1746034" cy="923330"/>
+          </a:xfrm>
+          <a:prstGeom prst="rect">
+            <a:avLst/>
+          </a:prstGeom>
+          <a:noFill/>
+          <a:ln w="12700">
+            <a:noFill/>
+            <a:miter lim="800000"/>
+            <a:headEnd/>
+            <a:tailEnd/>
+          </a:ln>
+        </p:spPr>
+        <p:txBody>
+          <a:bodyPr wrap="square">
+            <a:spAutoFit/>
+          </a:bodyPr>
+          <a:lstStyle/>
+          <a:p>
+            <a:pPr algn="ctr"/>
+            <a:r>
+              <a:rPr lang="en-IE" dirty="0" smtClean="0">
+                <a:solidFill>
+                  <a:srgbClr val="00B050"/>
+                </a:solidFill>
+              </a:rPr>
+              <a:t>High frequency emphasis result</a:t>
+            </a:r>
+            <a:endParaRPr lang="en-US" dirty="0">
+              <a:solidFill>
+                <a:srgbClr val="00B050"/>
+              </a:solidFill>
+            </a:endParaRPr>
+          </a:p>
+        </p:txBody>
+      </p:sp>
+      <p:sp>
+        <p:nvSpPr>
+          <p:cNvPr id="10" name="Text Box 8"/>
+          <p:cNvSpPr txBox="1">
+            <a:spLocks noChangeArrowheads="1"/>
+          </p:cNvSpPr>
+          <p:nvPr/>
+        </p:nvSpPr>
+        <p:spPr bwMode="auto">
+          <a:xfrm rot="5400000">
+            <a:off x="7673262" y="5015407"/>
+            <a:ext cx="2295144" cy="646331"/>
+          </a:xfrm>
+          <a:prstGeom prst="rect">
+            <a:avLst/>
+          </a:prstGeom>
+          <a:noFill/>
+          <a:ln w="12700">
+            <a:noFill/>
+            <a:miter lim="800000"/>
+            <a:headEnd/>
+            <a:tailEnd/>
+          </a:ln>
+        </p:spPr>
+        <p:txBody>
+          <a:bodyPr wrap="square">
+            <a:spAutoFit/>
+          </a:bodyPr>
+          <a:lstStyle/>
+          <a:p>
+            <a:pPr algn="ctr"/>
+            <a:r>
+              <a:rPr lang="en-IE" dirty="0" smtClean="0">
+                <a:solidFill>
+                  <a:srgbClr val="00B050"/>
+                </a:solidFill>
+              </a:rPr>
+              <a:t>After histogram equalisation</a:t>
+            </a:r>
+            <a:endParaRPr lang="en-US" dirty="0">
+              <a:solidFill>
+                <a:srgbClr val="00B050"/>
+              </a:solidFill>
+            </a:endParaRPr>
+          </a:p>
+        </p:txBody>
+      </p:sp>
+    </p:spTree>
+  </p:cSld>
+  <p:clrMapOvr>
+    <a:masterClrMapping/>
+  </p:clrMapOvr>
+  <p:transition>
+    <p:fade thruBlk="1"/>
+  </p:transition>
+</p:sld>
+</file>
+
+<file path=ppt/slides/slide27.xml><?xml version="1.0" encoding="utf-8"?>
+<p:sld xmlns:a="http://schemas.openxmlformats.org/drawingml/2006/main" xmlns:r="http://schemas.openxmlformats.org/officeDocument/2006/relationships" xmlns:p="http://schemas.openxmlformats.org/presentationml/2006/main">
+  <p:cSld>
+    <p:spTree>
+      <p:nvGrpSpPr>
+        <p:cNvPr id="1" name=""/>
+        <p:cNvGrpSpPr/>
+        <p:nvPr/>
+      </p:nvGrpSpPr>
+      <p:grpSpPr>
+        <a:xfrm>
+          <a:off x="0" y="0"/>
+          <a:ext cx="0" cy="0"/>
+          <a:chOff x="0" y="0"/>
+          <a:chExt cx="0" cy="0"/>
+        </a:xfrm>
+      </p:grpSpPr>
+      <p:sp>
+        <p:nvSpPr>
+          <p:cNvPr id="2" name="Title 1"/>
+          <p:cNvSpPr>
+            <a:spLocks noGrp="1"/>
+          </p:cNvSpPr>
+          <p:nvPr>
+            <p:ph type="title"/>
+          </p:nvPr>
+        </p:nvSpPr>
+        <p:spPr/>
+        <p:txBody>
+          <a:bodyPr/>
+          <a:lstStyle/>
+          <a:p>
+            <a:r>
+              <a:rPr lang="en-US" dirty="0" err="1" smtClean="0"/>
+              <a:t>Ẩn</a:t>
+            </a:r>
+            <a:r>
+              <a:rPr lang="en-US" dirty="0" smtClean="0"/>
+              <a:t> </a:t>
+            </a:r>
+            <a:r>
+              <a:rPr lang="en-US" dirty="0" err="1" smtClean="0"/>
+              <a:t>dữ</a:t>
+            </a:r>
+            <a:r>
+              <a:rPr lang="en-US" dirty="0" smtClean="0"/>
+              <a:t> </a:t>
+            </a:r>
+            <a:r>
+              <a:rPr lang="en-US" dirty="0" err="1" smtClean="0"/>
+              <a:t>liệu</a:t>
+            </a:r>
+            <a:r>
+              <a:rPr lang="en-US" dirty="0" smtClean="0"/>
+              <a:t> </a:t>
+            </a:r>
+            <a:r>
+              <a:rPr lang="en-US" dirty="0" err="1" smtClean="0"/>
+              <a:t>bằng</a:t>
+            </a:r>
+            <a:r>
+              <a:rPr lang="en-US" dirty="0" smtClean="0"/>
+              <a:t> DFT ()</a:t>
+            </a:r>
+            <a:endParaRPr lang="en-US" dirty="0"/>
+          </a:p>
+        </p:txBody>
+      </p:sp>
+      <p:sp>
+        <p:nvSpPr>
+          <p:cNvPr id="3" name="Content Placeholder 2"/>
+          <p:cNvSpPr>
+            <a:spLocks noGrp="1"/>
+          </p:cNvSpPr>
+          <p:nvPr>
+            <p:ph idx="1"/>
+          </p:nvPr>
+        </p:nvSpPr>
+        <p:spPr/>
+        <p:txBody>
+          <a:bodyPr/>
+          <a:lstStyle/>
+          <a:p>
+            <a:endParaRPr lang="en-US" dirty="0"/>
+          </a:p>
+        </p:txBody>
+      </p:sp>
+      <p:sp>
+        <p:nvSpPr>
+          <p:cNvPr id="4" name="Date Placeholder 3"/>
+          <p:cNvSpPr>
+            <a:spLocks noGrp="1"/>
+          </p:cNvSpPr>
+          <p:nvPr>
+            <p:ph type="dt" sz="half" idx="10"/>
+          </p:nvPr>
+        </p:nvSpPr>
+        <p:spPr/>
+        <p:txBody>
+          <a:bodyPr/>
+          <a:lstStyle/>
+          <a:p>
+            <a:fld id="{FC13EE21-0C48-4609-AAE4-AD74DD06381D}" type="datetime1">
+              <a:rPr lang="en-US" smtClean="0"/>
+              <a:pPr/>
+              <a:t>3/24/2011</a:t>
+            </a:fld>
+            <a:endParaRPr lang="en-US" dirty="0"/>
+          </a:p>
+        </p:txBody>
+      </p:sp>
+      <p:sp>
+        <p:nvSpPr>
+          <p:cNvPr id="5" name="Slide Number Placeholder 4"/>
+          <p:cNvSpPr>
+            <a:spLocks noGrp="1"/>
+          </p:cNvSpPr>
+          <p:nvPr>
+            <p:ph type="sldNum" sz="quarter" idx="12"/>
+          </p:nvPr>
+        </p:nvSpPr>
+        <p:spPr/>
+        <p:txBody>
+          <a:bodyPr/>
+          <a:lstStyle/>
+          <a:p>
+            <a:fld id="{805C85F1-8004-4C57-9BBF-E57BBA7CF0F9}" type="slidenum">
+              <a:rPr lang="en-US" smtClean="0"/>
+              <a:pPr/>
+              <a:t>27</a:t>
+            </a:fld>
+            <a:endParaRPr lang="en-US"/>
+          </a:p>
+        </p:txBody>
+      </p:sp>
+    </p:spTree>
+  </p:cSld>
+  <p:clrMapOvr>
+    <a:masterClrMapping/>
+  </p:clrMapOvr>
+  <p:transition>
+    <p:fade thruBlk="1"/>
+  </p:transition>
+</p:sld>
+</file>
+
+<file path=ppt/slides/slide28.xml><?xml version="1.0" encoding="utf-8"?>
+<p:sld xmlns:a="http://schemas.openxmlformats.org/drawingml/2006/main" xmlns:r="http://schemas.openxmlformats.org/officeDocument/2006/relationships" xmlns:p="http://schemas.openxmlformats.org/presentationml/2006/main">
+  <p:cSld>
+    <p:spTree>
+      <p:nvGrpSpPr>
+        <p:cNvPr id="1" name=""/>
+        <p:cNvGrpSpPr/>
+        <p:nvPr/>
+      </p:nvGrpSpPr>
+      <p:grpSpPr>
+        <a:xfrm>
+          <a:off x="0" y="0"/>
+          <a:ext cx="0" cy="0"/>
+          <a:chOff x="0" y="0"/>
+          <a:chExt cx="0" cy="0"/>
+        </a:xfrm>
+      </p:grpSpPr>
+      <p:sp>
+        <p:nvSpPr>
+          <p:cNvPr id="2" name="Title 1"/>
+          <p:cNvSpPr>
+            <a:spLocks noGrp="1"/>
+          </p:cNvSpPr>
+          <p:nvPr>
+            <p:ph type="title"/>
+          </p:nvPr>
+        </p:nvSpPr>
+        <p:spPr/>
+        <p:txBody>
+          <a:bodyPr/>
+          <a:lstStyle/>
+          <a:p>
+            <a:r>
+              <a:rPr lang="en-US" dirty="0" err="1" smtClean="0"/>
+              <a:t>Ẩn</a:t>
+            </a:r>
+            <a:r>
+              <a:rPr lang="en-US" dirty="0" smtClean="0"/>
+              <a:t> </a:t>
+            </a:r>
+            <a:r>
+              <a:rPr lang="en-US" dirty="0" err="1" smtClean="0"/>
+              <a:t>dữ</a:t>
+            </a:r>
+            <a:r>
+              <a:rPr lang="en-US" dirty="0" smtClean="0"/>
+              <a:t> </a:t>
+            </a:r>
+            <a:r>
+              <a:rPr lang="en-US" dirty="0" err="1" smtClean="0"/>
+              <a:t>liệu</a:t>
+            </a:r>
+            <a:r>
+              <a:rPr lang="en-US" dirty="0" smtClean="0"/>
+              <a:t> </a:t>
+            </a:r>
+            <a:r>
+              <a:rPr lang="en-US" dirty="0" err="1" smtClean="0"/>
+              <a:t>bằng</a:t>
+            </a:r>
+            <a:r>
+              <a:rPr lang="en-US" dirty="0" smtClean="0"/>
+              <a:t> DFT ()</a:t>
+            </a:r>
+            <a:endParaRPr lang="en-US" dirty="0"/>
+          </a:p>
+        </p:txBody>
+      </p:sp>
+      <p:sp>
+        <p:nvSpPr>
+          <p:cNvPr id="3" name="Content Placeholder 2"/>
+          <p:cNvSpPr>
+            <a:spLocks noGrp="1"/>
+          </p:cNvSpPr>
+          <p:nvPr>
+            <p:ph idx="1"/>
+          </p:nvPr>
+        </p:nvSpPr>
+        <p:spPr/>
+        <p:txBody>
+          <a:bodyPr/>
+          <a:lstStyle/>
+          <a:p>
+            <a:endParaRPr lang="en-US" dirty="0"/>
+          </a:p>
+        </p:txBody>
+      </p:sp>
+      <p:sp>
+        <p:nvSpPr>
+          <p:cNvPr id="4" name="Date Placeholder 3"/>
+          <p:cNvSpPr>
+            <a:spLocks noGrp="1"/>
+          </p:cNvSpPr>
+          <p:nvPr>
+            <p:ph type="dt" sz="half" idx="10"/>
+          </p:nvPr>
+        </p:nvSpPr>
+        <p:spPr/>
+        <p:txBody>
+          <a:bodyPr/>
+          <a:lstStyle/>
+          <a:p>
+            <a:fld id="{FC13EE21-0C48-4609-AAE4-AD74DD06381D}" type="datetime1">
+              <a:rPr lang="en-US" smtClean="0"/>
+              <a:pPr/>
+              <a:t>3/24/2011</a:t>
+            </a:fld>
+            <a:endParaRPr lang="en-US" dirty="0"/>
+          </a:p>
+        </p:txBody>
+      </p:sp>
+      <p:sp>
+        <p:nvSpPr>
+          <p:cNvPr id="5" name="Slide Number Placeholder 4"/>
+          <p:cNvSpPr>
+            <a:spLocks noGrp="1"/>
+          </p:cNvSpPr>
+          <p:nvPr>
+            <p:ph type="sldNum" sz="quarter" idx="12"/>
+          </p:nvPr>
+        </p:nvSpPr>
+        <p:spPr/>
+        <p:txBody>
+          <a:bodyPr/>
+          <a:lstStyle/>
+          <a:p>
+            <a:fld id="{805C85F1-8004-4C57-9BBF-E57BBA7CF0F9}" type="slidenum">
+              <a:rPr lang="en-US" smtClean="0"/>
+              <a:pPr/>
+              <a:t>28</a:t>
             </a:fld>
             <a:endParaRPr lang="en-US"/>
           </a:p>
@@ -14127,7 +14508,7 @@
 </p:sld>
 </file>
 
-<file path=ppt/slides/slide27.xml><?xml version="1.0" encoding="utf-8"?>
+<file path=ppt/slides/slide29.xml><?xml version="1.0" encoding="utf-8"?>
 <p:sld xmlns:a="http://schemas.openxmlformats.org/drawingml/2006/main" xmlns:r="http://schemas.openxmlformats.org/officeDocument/2006/relationships" xmlns:p="http://schemas.openxmlformats.org/presentationml/2006/main">
   <p:cSld>
     <p:spTree>
@@ -14346,7 +14727,7 @@
             <a:fld id="{FC13EE21-0C48-4609-AAE4-AD74DD06381D}" type="datetime1">
               <a:rPr lang="en-US" smtClean="0"/>
               <a:pPr/>
-              <a:t>3/23/2011</a:t>
+              <a:t>3/24/2011</a:t>
             </a:fld>
             <a:endParaRPr lang="en-US" dirty="0"/>
           </a:p>
@@ -14370,7 +14751,7 @@
             <a:fld id="{805C85F1-8004-4C57-9BBF-E57BBA7CF0F9}" type="slidenum">
               <a:rPr lang="en-US" smtClean="0"/>
               <a:pPr/>
-              <a:t>27</a:t>
+              <a:t>29</a:t>
             </a:fld>
             <a:endParaRPr lang="en-US"/>
           </a:p>
@@ -14499,7 +14880,7 @@
             <a:fld id="{FC13EE21-0C48-4609-AAE4-AD74DD06381D}" type="datetime1">
               <a:rPr lang="en-US" smtClean="0"/>
               <a:pPr/>
-              <a:t>3/23/2011</a:t>
+              <a:t>3/24/2011</a:t>
             </a:fld>
             <a:endParaRPr lang="en-US" dirty="0"/>
           </a:p>
@@ -14789,7 +15170,7 @@
             <a:fld id="{FC13EE21-0C48-4609-AAE4-AD74DD06381D}" type="datetime1">
               <a:rPr lang="en-US" smtClean="0"/>
               <a:pPr/>
-              <a:t>3/23/2011</a:t>
+              <a:t>3/24/2011</a:t>
             </a:fld>
             <a:endParaRPr lang="en-US" dirty="0"/>
           </a:p>
@@ -15003,7 +15384,7 @@
             <a:fld id="{FC13EE21-0C48-4609-AAE4-AD74DD06381D}" type="datetime1">
               <a:rPr lang="en-US" smtClean="0"/>
               <a:pPr/>
-              <a:t>3/23/2011</a:t>
+              <a:t>3/24/2011</a:t>
             </a:fld>
             <a:endParaRPr lang="en-US" dirty="0"/>
           </a:p>
@@ -15284,14 +15665,7 @@
                 <a:latin typeface="Times New Roman" pitchFamily="18" charset="0"/>
                 <a:cs typeface="Times New Roman" pitchFamily="18" charset="0"/>
               </a:rPr>
-              <a:t> </a:t>
-            </a:r>
-            <a:r>
-              <a:rPr lang="en-US" dirty="0" smtClean="0">
-                <a:latin typeface="Times New Roman" pitchFamily="18" charset="0"/>
-                <a:cs typeface="Times New Roman" pitchFamily="18" charset="0"/>
-              </a:rPr>
-              <a:t>(3)</a:t>
+              <a:t> (3)</a:t>
             </a:r>
             <a:endParaRPr lang="en-US" dirty="0"/>
           </a:p>
@@ -15404,7 +15778,7 @@
             <a:fld id="{FC13EE21-0C48-4609-AAE4-AD74DD06381D}" type="datetime1">
               <a:rPr lang="en-US" smtClean="0"/>
               <a:pPr/>
-              <a:t>3/23/2011</a:t>
+              <a:t>3/24/2011</a:t>
             </a:fld>
             <a:endParaRPr lang="en-US" dirty="0"/>
           </a:p>
@@ -15802,14 +16176,7 @@
                 <a:latin typeface="Times New Roman" pitchFamily="18" charset="0"/>
                 <a:cs typeface="Times New Roman" pitchFamily="18" charset="0"/>
               </a:rPr>
-              <a:t> </a:t>
-            </a:r>
-            <a:r>
-              <a:rPr lang="en-US" dirty="0" smtClean="0">
-                <a:latin typeface="Times New Roman" pitchFamily="18" charset="0"/>
-                <a:cs typeface="Times New Roman" pitchFamily="18" charset="0"/>
-              </a:rPr>
-              <a:t>(4)</a:t>
+              <a:t> (4)</a:t>
             </a:r>
             <a:endParaRPr lang="en-US" dirty="0"/>
           </a:p>
@@ -15915,7 +16282,7 @@
             <a:fld id="{FC13EE21-0C48-4609-AAE4-AD74DD06381D}" type="datetime1">
               <a:rPr lang="en-US" smtClean="0"/>
               <a:pPr/>
-              <a:t>3/23/2011</a:t>
+              <a:t>3/24/2011</a:t>
             </a:fld>
             <a:endParaRPr lang="en-US" dirty="0"/>
           </a:p>
@@ -15954,7 +16321,7 @@
           <p:nvPr/>
         </p:nvGraphicFramePr>
         <p:xfrm>
-          <a:off x="2362200" y="2060575"/>
+          <a:off x="2362200" y="2057400"/>
           <a:ext cx="3771900" cy="1063625"/>
         </p:xfrm>
         <a:graphic>
@@ -16015,6 +16382,660 @@
       </p:grpSpPr>
       <p:sp>
         <p:nvSpPr>
+          <p:cNvPr id="177154" name="Rectangle 2"/>
+          <p:cNvSpPr>
+            <a:spLocks noGrp="1" noChangeArrowheads="1"/>
+          </p:cNvSpPr>
+          <p:nvPr>
+            <p:ph type="title"/>
+          </p:nvPr>
+        </p:nvSpPr>
+        <p:spPr>
+          <a:xfrm>
+            <a:off x="381000" y="223838"/>
+            <a:ext cx="8221663" cy="576262"/>
+          </a:xfrm>
+        </p:spPr>
+        <p:txBody>
+          <a:bodyPr/>
+          <a:lstStyle/>
+          <a:p>
+            <a:pPr algn="l"/>
+            <a:r>
+              <a:rPr lang="en-US" sz="2400" b="1">
+                <a:solidFill>
+                  <a:srgbClr val="993300"/>
+                </a:solidFill>
+                <a:cs typeface="Times New Roman" pitchFamily="18" charset="0"/>
+              </a:rPr>
+              <a:t>Finding the coefficients,</a:t>
+            </a:r>
+            <a:r>
+              <a:rPr lang="en-US" sz="2400" b="1" i="1">
+                <a:solidFill>
+                  <a:srgbClr val="993300"/>
+                </a:solidFill>
+                <a:latin typeface="Times New Roman" pitchFamily="18" charset="0"/>
+                <a:cs typeface="Times New Roman" pitchFamily="18" charset="0"/>
+              </a:rPr>
+              <a:t> F</a:t>
+            </a:r>
+            <a:r>
+              <a:rPr lang="en-US" sz="2400" b="1" i="1" baseline="-30000">
+                <a:solidFill>
+                  <a:srgbClr val="993300"/>
+                </a:solidFill>
+                <a:latin typeface="Times New Roman" pitchFamily="18" charset="0"/>
+                <a:cs typeface="Times New Roman" pitchFamily="18" charset="0"/>
+              </a:rPr>
+              <a:t>m</a:t>
+            </a:r>
+            <a:r>
+              <a:rPr lang="en-US" sz="2400" b="1">
+                <a:solidFill>
+                  <a:srgbClr val="993300"/>
+                </a:solidFill>
+                <a:cs typeface="Times New Roman" pitchFamily="18" charset="0"/>
+              </a:rPr>
+              <a:t>, in a Fourier Cosine Series</a:t>
+            </a:r>
+          </a:p>
+        </p:txBody>
+      </p:sp>
+      <p:sp>
+        <p:nvSpPr>
+          <p:cNvPr id="177155" name="Rectangle 3"/>
+          <p:cNvSpPr>
+            <a:spLocks noGrp="1" noChangeArrowheads="1"/>
+          </p:cNvSpPr>
+          <p:nvPr>
+            <p:ph type="body" idx="1"/>
+          </p:nvPr>
+        </p:nvSpPr>
+        <p:spPr>
+          <a:xfrm>
+            <a:off x="381000" y="762000"/>
+            <a:ext cx="8763000" cy="6096000"/>
+          </a:xfrm>
+        </p:spPr>
+        <p:txBody>
+          <a:bodyPr/>
+          <a:lstStyle/>
+          <a:p>
+            <a:pPr marL="0" indent="0">
+              <a:buFontTx/>
+              <a:buNone/>
+            </a:pPr>
+            <a:endParaRPr lang="en-US" sz="1600" dirty="0">
+              <a:cs typeface="Times New Roman" pitchFamily="18" charset="0"/>
+            </a:endParaRPr>
+          </a:p>
+          <a:p>
+            <a:pPr marL="0" indent="0">
+              <a:buFontTx/>
+              <a:buNone/>
+            </a:pPr>
+            <a:r>
+              <a:rPr lang="en-US" sz="1600" dirty="0">
+                <a:cs typeface="Times New Roman" pitchFamily="18" charset="0"/>
+              </a:rPr>
+              <a:t>Fourier Cosine Series:	      </a:t>
+            </a:r>
+            <a:endParaRPr lang="en-US" sz="1600" dirty="0"/>
+          </a:p>
+          <a:p>
+            <a:pPr marL="0" indent="0">
+              <a:buFontTx/>
+              <a:buNone/>
+            </a:pPr>
+            <a:r>
+              <a:rPr lang="en-US" sz="1600" dirty="0">
+                <a:cs typeface="Times New Roman" pitchFamily="18" charset="0"/>
+              </a:rPr>
+              <a:t> </a:t>
+            </a:r>
+          </a:p>
+          <a:p>
+            <a:pPr marL="0" indent="0">
+              <a:buFontTx/>
+              <a:buNone/>
+            </a:pPr>
+            <a:r>
+              <a:rPr lang="en-US" sz="1600" dirty="0">
+                <a:cs typeface="Times New Roman" pitchFamily="18" charset="0"/>
+              </a:rPr>
+              <a:t>To find </a:t>
+            </a:r>
+            <a:r>
+              <a:rPr lang="en-US" sz="1600" i="1" dirty="0">
+                <a:latin typeface="Times New Roman" pitchFamily="18" charset="0"/>
+                <a:cs typeface="Times New Roman" pitchFamily="18" charset="0"/>
+              </a:rPr>
+              <a:t>F</a:t>
+            </a:r>
+            <a:r>
+              <a:rPr lang="en-US" sz="1600" i="1" baseline="-30000" dirty="0">
+                <a:latin typeface="Times New Roman" pitchFamily="18" charset="0"/>
+                <a:cs typeface="Times New Roman" pitchFamily="18" charset="0"/>
+              </a:rPr>
+              <a:t>m</a:t>
+            </a:r>
+            <a:r>
+              <a:rPr lang="en-US" sz="1600" dirty="0">
+                <a:latin typeface="Verdana" pitchFamily="34" charset="0"/>
+                <a:cs typeface="Times New Roman" pitchFamily="18" charset="0"/>
+              </a:rPr>
+              <a:t>,</a:t>
+            </a:r>
+            <a:r>
+              <a:rPr lang="en-US" sz="1600" dirty="0">
+                <a:cs typeface="Times New Roman" pitchFamily="18" charset="0"/>
+              </a:rPr>
+              <a:t> multiply each side by </a:t>
+            </a:r>
+            <a:r>
+              <a:rPr lang="en-US" sz="1600" dirty="0" err="1">
+                <a:latin typeface="Times New Roman" pitchFamily="18" charset="0"/>
+                <a:cs typeface="Times New Roman" pitchFamily="18" charset="0"/>
+              </a:rPr>
+              <a:t>cos</a:t>
+            </a:r>
+            <a:r>
+              <a:rPr lang="en-US" sz="1600" dirty="0">
+                <a:latin typeface="Times New Roman" pitchFamily="18" charset="0"/>
+                <a:cs typeface="Times New Roman" pitchFamily="18" charset="0"/>
+              </a:rPr>
+              <a:t>(</a:t>
+            </a:r>
+            <a:r>
+              <a:rPr lang="en-US" sz="1600" i="1" dirty="0" err="1">
+                <a:latin typeface="Times New Roman" pitchFamily="18" charset="0"/>
+                <a:cs typeface="Times New Roman" pitchFamily="18" charset="0"/>
+              </a:rPr>
+              <a:t>m</a:t>
+            </a:r>
+            <a:r>
+              <a:rPr lang="en-US" sz="1600" i="1" dirty="0" err="1">
+                <a:latin typeface="Verdana" pitchFamily="34" charset="0"/>
+                <a:cs typeface="Times New Roman" pitchFamily="18" charset="0"/>
+              </a:rPr>
+              <a:t>’</a:t>
+            </a:r>
+            <a:r>
+              <a:rPr lang="en-US" sz="1600" i="1" dirty="0" err="1">
+                <a:latin typeface="Times New Roman" pitchFamily="18" charset="0"/>
+                <a:cs typeface="Times New Roman" pitchFamily="18" charset="0"/>
+              </a:rPr>
+              <a:t>t</a:t>
+            </a:r>
+            <a:r>
+              <a:rPr lang="en-US" sz="1600" dirty="0">
+                <a:latin typeface="Times New Roman" pitchFamily="18" charset="0"/>
+                <a:cs typeface="Times New Roman" pitchFamily="18" charset="0"/>
+              </a:rPr>
+              <a:t>)</a:t>
+            </a:r>
+            <a:r>
+              <a:rPr lang="en-US" sz="1600" dirty="0">
+                <a:cs typeface="Times New Roman" pitchFamily="18" charset="0"/>
+              </a:rPr>
+              <a:t>, where </a:t>
+            </a:r>
+            <a:r>
+              <a:rPr lang="en-US" sz="1600" i="1" dirty="0">
+                <a:latin typeface="Times New Roman" pitchFamily="18" charset="0"/>
+                <a:cs typeface="Times New Roman" pitchFamily="18" charset="0"/>
+              </a:rPr>
+              <a:t>m</a:t>
+            </a:r>
+            <a:r>
+              <a:rPr lang="en-US" sz="1600" i="1" dirty="0">
+                <a:latin typeface="Verdana" pitchFamily="34" charset="0"/>
+                <a:cs typeface="Times New Roman" pitchFamily="18" charset="0"/>
+              </a:rPr>
+              <a:t>’</a:t>
+            </a:r>
+            <a:r>
+              <a:rPr lang="en-US" sz="1600" dirty="0">
+                <a:cs typeface="Times New Roman" pitchFamily="18" charset="0"/>
+              </a:rPr>
+              <a:t> is another integer, and integrate:</a:t>
+            </a:r>
+          </a:p>
+          <a:p>
+            <a:pPr marL="0" indent="0">
+              <a:buFontTx/>
+              <a:buNone/>
+            </a:pPr>
+            <a:endParaRPr lang="en-US" sz="1600" dirty="0">
+              <a:cs typeface="Times New Roman" pitchFamily="18" charset="0"/>
+            </a:endParaRPr>
+          </a:p>
+          <a:p>
+            <a:pPr marL="0" indent="0">
+              <a:buFontTx/>
+              <a:buNone/>
+            </a:pPr>
+            <a:endParaRPr lang="en-US" sz="1600" dirty="0">
+              <a:cs typeface="Times New Roman" pitchFamily="18" charset="0"/>
+            </a:endParaRPr>
+          </a:p>
+          <a:p>
+            <a:pPr marL="0" indent="0">
+              <a:buFontTx/>
+              <a:buNone/>
+            </a:pPr>
+            <a:r>
+              <a:rPr lang="en-US" sz="1600" dirty="0">
+                <a:cs typeface="Times New Roman" pitchFamily="18" charset="0"/>
+              </a:rPr>
+              <a:t> </a:t>
+            </a:r>
+          </a:p>
+          <a:p>
+            <a:pPr marL="0" indent="0">
+              <a:buFontTx/>
+              <a:buNone/>
+            </a:pPr>
+            <a:r>
+              <a:rPr lang="en-US" sz="1600" dirty="0">
+                <a:cs typeface="Times New Roman" pitchFamily="18" charset="0"/>
+              </a:rPr>
+              <a:t>	</a:t>
+            </a:r>
+          </a:p>
+          <a:p>
+            <a:pPr marL="0" indent="0">
+              <a:buFontTx/>
+              <a:buNone/>
+            </a:pPr>
+            <a:endParaRPr lang="en-US" sz="1600" dirty="0">
+              <a:cs typeface="Times New Roman" pitchFamily="18" charset="0"/>
+            </a:endParaRPr>
+          </a:p>
+          <a:p>
+            <a:pPr marL="0" indent="0">
+              <a:buFontTx/>
+              <a:buNone/>
+            </a:pPr>
+            <a:r>
+              <a:rPr lang="en-US" sz="1600" dirty="0">
+                <a:cs typeface="Times New Roman" pitchFamily="18" charset="0"/>
+              </a:rPr>
+              <a:t>But:                   </a:t>
+            </a:r>
+          </a:p>
+          <a:p>
+            <a:pPr marL="0" indent="0">
+              <a:buFontTx/>
+              <a:buNone/>
+            </a:pPr>
+            <a:endParaRPr lang="en-US" sz="1600" dirty="0">
+              <a:cs typeface="Times New Roman" pitchFamily="18" charset="0"/>
+            </a:endParaRPr>
+          </a:p>
+          <a:p>
+            <a:pPr marL="0" indent="0">
+              <a:buFontTx/>
+              <a:buNone/>
+            </a:pPr>
+            <a:endParaRPr lang="en-US" sz="1600" dirty="0">
+              <a:cs typeface="Times New Roman" pitchFamily="18" charset="0"/>
+            </a:endParaRPr>
+          </a:p>
+          <a:p>
+            <a:pPr marL="0" indent="0">
+              <a:buFontTx/>
+              <a:buNone/>
+            </a:pPr>
+            <a:endParaRPr lang="en-US" sz="1600" dirty="0">
+              <a:cs typeface="Times New Roman" pitchFamily="18" charset="0"/>
+            </a:endParaRPr>
+          </a:p>
+          <a:p>
+            <a:pPr marL="0" indent="0">
+              <a:buFontTx/>
+              <a:buNone/>
+            </a:pPr>
+            <a:r>
+              <a:rPr lang="en-US" sz="1600" dirty="0">
+                <a:cs typeface="Times New Roman" pitchFamily="18" charset="0"/>
+              </a:rPr>
+              <a:t>So:	    			                      </a:t>
+            </a:r>
+            <a:r>
+              <a:rPr lang="en-US" sz="1600" dirty="0">
+                <a:cs typeface="Times New Roman" pitchFamily="18" charset="0"/>
+                <a:sym typeface="Wingdings" pitchFamily="2" charset="2"/>
+              </a:rPr>
+              <a:t></a:t>
+            </a:r>
+            <a:r>
+              <a:rPr lang="en-US" sz="1600" dirty="0">
+                <a:cs typeface="Times New Roman" pitchFamily="18" charset="0"/>
+              </a:rPr>
+              <a:t>  only the </a:t>
+            </a:r>
+            <a:r>
+              <a:rPr lang="en-US" sz="1600" i="1" dirty="0">
+                <a:latin typeface="Times New Roman" pitchFamily="18" charset="0"/>
+                <a:cs typeface="Times New Roman" pitchFamily="18" charset="0"/>
+              </a:rPr>
+              <a:t>m</a:t>
+            </a:r>
+            <a:r>
+              <a:rPr lang="en-US" sz="1600" i="1" dirty="0">
+                <a:latin typeface="Verdana" pitchFamily="34" charset="0"/>
+                <a:cs typeface="Times New Roman" pitchFamily="18" charset="0"/>
+              </a:rPr>
+              <a:t>’ </a:t>
+            </a:r>
+            <a:r>
+              <a:rPr lang="en-US" sz="1600" i="1" dirty="0">
+                <a:latin typeface="Times New Roman" pitchFamily="18" charset="0"/>
+                <a:cs typeface="Times New Roman" pitchFamily="18" charset="0"/>
+              </a:rPr>
+              <a:t>= m</a:t>
+            </a:r>
+            <a:r>
+              <a:rPr lang="en-US" sz="1600" dirty="0">
+                <a:cs typeface="Times New Roman" pitchFamily="18" charset="0"/>
+              </a:rPr>
+              <a:t> term contributes</a:t>
+            </a:r>
+          </a:p>
+          <a:p>
+            <a:pPr marL="0" indent="0">
+              <a:buFontTx/>
+              <a:buNone/>
+            </a:pPr>
+            <a:endParaRPr lang="en-US" sz="1600" dirty="0">
+              <a:cs typeface="Times New Roman" pitchFamily="18" charset="0"/>
+            </a:endParaRPr>
+          </a:p>
+          <a:p>
+            <a:pPr marL="0" indent="0">
+              <a:buFontTx/>
+              <a:buNone/>
+            </a:pPr>
+            <a:endParaRPr lang="en-US" sz="1600" dirty="0">
+              <a:cs typeface="Times New Roman" pitchFamily="18" charset="0"/>
+            </a:endParaRPr>
+          </a:p>
+          <a:p>
+            <a:pPr marL="0" indent="0">
+              <a:buFontTx/>
+              <a:buNone/>
+            </a:pPr>
+            <a:r>
+              <a:rPr lang="en-US" sz="1600" dirty="0">
+                <a:cs typeface="Times New Roman" pitchFamily="18" charset="0"/>
+              </a:rPr>
+              <a:t>Dropping the </a:t>
+            </a:r>
+            <a:r>
+              <a:rPr lang="en-US" sz="1600" i="1" dirty="0">
+                <a:latin typeface="Verdana" pitchFamily="34" charset="0"/>
+                <a:cs typeface="Times New Roman" pitchFamily="18" charset="0"/>
+              </a:rPr>
+              <a:t>’</a:t>
+            </a:r>
+            <a:r>
+              <a:rPr lang="en-US" sz="1600" dirty="0">
+                <a:latin typeface="Verdana" pitchFamily="34" charset="0"/>
+                <a:cs typeface="Times New Roman" pitchFamily="18" charset="0"/>
+              </a:rPr>
+              <a:t> </a:t>
+            </a:r>
+            <a:r>
+              <a:rPr lang="en-US" sz="1600" dirty="0">
+                <a:cs typeface="Times New Roman" pitchFamily="18" charset="0"/>
+              </a:rPr>
+              <a:t>from the </a:t>
+            </a:r>
+            <a:r>
+              <a:rPr lang="en-US" sz="1600" i="1" dirty="0">
+                <a:latin typeface="Times New Roman" pitchFamily="18" charset="0"/>
+                <a:cs typeface="Times New Roman" pitchFamily="18" charset="0"/>
+              </a:rPr>
+              <a:t>m</a:t>
+            </a:r>
+            <a:r>
+              <a:rPr lang="en-US" sz="1600" dirty="0">
+                <a:cs typeface="Times New Roman" pitchFamily="18" charset="0"/>
+              </a:rPr>
+              <a:t>: </a:t>
+            </a:r>
+          </a:p>
+          <a:p>
+            <a:pPr marL="0" indent="0">
+              <a:buFontTx/>
+              <a:buNone/>
+            </a:pPr>
+            <a:r>
+              <a:rPr lang="en-US" sz="1600" dirty="0">
+                <a:cs typeface="Times New Roman" pitchFamily="18" charset="0"/>
+              </a:rPr>
+              <a:t>			               	 		             </a:t>
+            </a:r>
+            <a:r>
+              <a:rPr lang="en-US" sz="1600" dirty="0">
+                <a:cs typeface="Times New Roman" pitchFamily="18" charset="0"/>
+                <a:sym typeface="Wingdings" pitchFamily="2" charset="2"/>
+              </a:rPr>
+              <a:t></a:t>
+            </a:r>
+            <a:r>
+              <a:rPr lang="en-US" sz="1600" dirty="0">
+                <a:cs typeface="Times New Roman" pitchFamily="18" charset="0"/>
+              </a:rPr>
+              <a:t> yields the </a:t>
+            </a:r>
+          </a:p>
+          <a:p>
+            <a:pPr marL="0" indent="0">
+              <a:buFontTx/>
+              <a:buNone/>
+            </a:pPr>
+            <a:r>
+              <a:rPr lang="en-US" sz="1600" dirty="0">
+                <a:cs typeface="Times New Roman" pitchFamily="18" charset="0"/>
+              </a:rPr>
+              <a:t>							 coefficients for </a:t>
+            </a:r>
+          </a:p>
+          <a:p>
+            <a:pPr marL="0" indent="0">
+              <a:buFontTx/>
+              <a:buNone/>
+            </a:pPr>
+            <a:r>
+              <a:rPr lang="en-US" sz="1600" dirty="0">
+                <a:cs typeface="Times New Roman" pitchFamily="18" charset="0"/>
+              </a:rPr>
+              <a:t>							 any </a:t>
+            </a:r>
+            <a:r>
+              <a:rPr lang="en-US" sz="1600" i="1" dirty="0">
+                <a:latin typeface="Times New Roman" pitchFamily="18" charset="0"/>
+                <a:cs typeface="Times New Roman" pitchFamily="18" charset="0"/>
+              </a:rPr>
+              <a:t>f</a:t>
+            </a:r>
+            <a:r>
+              <a:rPr lang="en-US" sz="1600" dirty="0">
+                <a:latin typeface="Times New Roman" pitchFamily="18" charset="0"/>
+                <a:cs typeface="Times New Roman" pitchFamily="18" charset="0"/>
+              </a:rPr>
+              <a:t>(</a:t>
+            </a:r>
+            <a:r>
+              <a:rPr lang="en-US" sz="1600" i="1" dirty="0">
+                <a:latin typeface="Times New Roman" pitchFamily="18" charset="0"/>
+                <a:cs typeface="Times New Roman" pitchFamily="18" charset="0"/>
+              </a:rPr>
+              <a:t>t</a:t>
+            </a:r>
+            <a:r>
+              <a:rPr lang="en-US" sz="1600" dirty="0">
+                <a:latin typeface="Times New Roman" pitchFamily="18" charset="0"/>
+                <a:cs typeface="Times New Roman" pitchFamily="18" charset="0"/>
+              </a:rPr>
+              <a:t>)</a:t>
+            </a:r>
+            <a:r>
+              <a:rPr lang="en-US" sz="1600" dirty="0">
+                <a:cs typeface="Times New Roman" pitchFamily="18" charset="0"/>
+              </a:rPr>
+              <a:t>!</a:t>
+            </a:r>
+          </a:p>
+          <a:p>
+            <a:pPr marL="0" indent="0">
+              <a:buFontTx/>
+              <a:buNone/>
+            </a:pPr>
+            <a:endParaRPr lang="en-US" sz="1600" dirty="0"/>
+          </a:p>
+        </p:txBody>
+      </p:sp>
+      <p:graphicFrame>
+        <p:nvGraphicFramePr>
+          <p:cNvPr id="177156" name="Object 4"/>
+          <p:cNvGraphicFramePr>
+            <a:graphicFrameLocks noChangeAspect="1"/>
+          </p:cNvGraphicFramePr>
+          <p:nvPr/>
+        </p:nvGraphicFramePr>
+        <p:xfrm>
+          <a:off x="2765425" y="844550"/>
+          <a:ext cx="2936875" cy="771525"/>
+        </p:xfrm>
+        <a:graphic>
+          <a:graphicData uri="http://schemas.openxmlformats.org/presentationml/2006/ole">
+            <p:oleObj spid="_x0000_s94210" name="Equation" r:id="rId3" imgW="1765080" imgH="482400" progId="Equation.DSMT4">
+              <p:embed/>
+            </p:oleObj>
+          </a:graphicData>
+        </a:graphic>
+      </p:graphicFrame>
+      <p:graphicFrame>
+        <p:nvGraphicFramePr>
+          <p:cNvPr id="177157" name="Object 5"/>
+          <p:cNvGraphicFramePr>
+            <a:graphicFrameLocks noChangeAspect="1"/>
+          </p:cNvGraphicFramePr>
+          <p:nvPr/>
+        </p:nvGraphicFramePr>
+        <p:xfrm>
+          <a:off x="1376363" y="2128838"/>
+          <a:ext cx="5830887" cy="925512"/>
+        </p:xfrm>
+        <a:graphic>
+          <a:graphicData uri="http://schemas.openxmlformats.org/presentationml/2006/ole">
+            <p:oleObj spid="_x0000_s94211" name="Equation" r:id="rId4" imgW="3504960" imgH="545760" progId="Equation.DSMT4">
+              <p:embed/>
+            </p:oleObj>
+          </a:graphicData>
+        </a:graphic>
+      </p:graphicFrame>
+      <p:graphicFrame>
+        <p:nvGraphicFramePr>
+          <p:cNvPr id="177158" name="Object 6"/>
+          <p:cNvGraphicFramePr>
+            <a:graphicFrameLocks noChangeAspect="1"/>
+          </p:cNvGraphicFramePr>
+          <p:nvPr/>
+        </p:nvGraphicFramePr>
+        <p:xfrm>
+          <a:off x="1577975" y="3179763"/>
+          <a:ext cx="5905500" cy="942975"/>
+        </p:xfrm>
+        <a:graphic>
+          <a:graphicData uri="http://schemas.openxmlformats.org/presentationml/2006/ole">
+            <p:oleObj spid="_x0000_s94212" name="Equation" r:id="rId5" imgW="3340080" imgH="545760" progId="Equation.DSMT4">
+              <p:embed/>
+            </p:oleObj>
+          </a:graphicData>
+        </a:graphic>
+      </p:graphicFrame>
+      <p:graphicFrame>
+        <p:nvGraphicFramePr>
+          <p:cNvPr id="177159" name="Object 7"/>
+          <p:cNvGraphicFramePr>
+            <a:graphicFrameLocks noChangeAspect="1"/>
+          </p:cNvGraphicFramePr>
+          <p:nvPr/>
+        </p:nvGraphicFramePr>
+        <p:xfrm>
+          <a:off x="1189038" y="4321175"/>
+          <a:ext cx="3984625" cy="887413"/>
+        </p:xfrm>
+        <a:graphic>
+          <a:graphicData uri="http://schemas.openxmlformats.org/presentationml/2006/ole">
+            <p:oleObj spid="_x0000_s94213" name="Equation" r:id="rId6" imgW="2577960" imgH="545760" progId="Equation.DSMT4">
+              <p:embed/>
+            </p:oleObj>
+          </a:graphicData>
+        </a:graphic>
+      </p:graphicFrame>
+      <p:graphicFrame>
+        <p:nvGraphicFramePr>
+          <p:cNvPr id="177160" name="Object 8"/>
+          <p:cNvGraphicFramePr>
+            <a:graphicFrameLocks noChangeAspect="1"/>
+          </p:cNvGraphicFramePr>
+          <p:nvPr/>
+        </p:nvGraphicFramePr>
+        <p:xfrm>
+          <a:off x="3200400" y="5483225"/>
+          <a:ext cx="2884488" cy="1100138"/>
+        </p:xfrm>
+        <a:graphic>
+          <a:graphicData uri="http://schemas.openxmlformats.org/presentationml/2006/ole">
+            <p:oleObj spid="_x0000_s94214" name="Equation" r:id="rId7" imgW="1587240" imgH="545760" progId="Equation.DSMT4">
+              <p:embed/>
+            </p:oleObj>
+          </a:graphicData>
+        </a:graphic>
+      </p:graphicFrame>
+    </p:spTree>
+  </p:cSld>
+  <p:clrMapOvr>
+    <a:masterClrMapping/>
+  </p:clrMapOvr>
+  <p:transition>
+    <p:fade thruBlk="1"/>
+  </p:transition>
+  <p:timing>
+    <p:tnLst>
+      <p:par>
+        <p:cTn id="1" dur="indefinite" restart="never" nodeType="tmRoot"/>
+      </p:par>
+    </p:tnLst>
+  </p:timing>
+</p:sld>
+</file>
+
+<file path=ppt/slides/slide9.xml><?xml version="1.0" encoding="utf-8"?>
+<p:sld xmlns:a="http://schemas.openxmlformats.org/drawingml/2006/main" xmlns:r="http://schemas.openxmlformats.org/officeDocument/2006/relationships" xmlns:p="http://schemas.openxmlformats.org/presentationml/2006/main">
+  <p:cSld>
+    <p:spTree>
+      <p:nvGrpSpPr>
+        <p:cNvPr id="1" name=""/>
+        <p:cNvGrpSpPr/>
+        <p:nvPr/>
+      </p:nvGrpSpPr>
+      <p:grpSpPr>
+        <a:xfrm>
+          <a:off x="0" y="0"/>
+          <a:ext cx="0" cy="0"/>
+          <a:chOff x="0" y="0"/>
+          <a:chExt cx="0" cy="0"/>
+        </a:xfrm>
+      </p:grpSpPr>
+      <p:sp>
+        <p:nvSpPr>
           <p:cNvPr id="2" name="Title 1"/>
           <p:cNvSpPr>
             <a:spLocks noGrp="1"/>
@@ -16054,14 +17075,7 @@
                 <a:latin typeface="Times New Roman" pitchFamily="18" charset="0"/>
                 <a:cs typeface="Times New Roman" pitchFamily="18" charset="0"/>
               </a:rPr>
-              <a:t> </a:t>
-            </a:r>
-            <a:r>
-              <a:rPr lang="en-US" dirty="0" smtClean="0">
-                <a:latin typeface="Times New Roman" pitchFamily="18" charset="0"/>
-                <a:cs typeface="Times New Roman" pitchFamily="18" charset="0"/>
-              </a:rPr>
-              <a:t>(5)</a:t>
+              <a:t> (5)</a:t>
             </a:r>
             <a:endParaRPr lang="en-US" dirty="0"/>
           </a:p>
@@ -16151,7 +17165,7 @@
             <a:fld id="{FC13EE21-0C48-4609-AAE4-AD74DD06381D}" type="datetime1">
               <a:rPr lang="en-US" smtClean="0"/>
               <a:pPr/>
-              <a:t>3/23/2011</a:t>
+              <a:t>3/24/2011</a:t>
             </a:fld>
             <a:endParaRPr lang="en-US" dirty="0"/>
           </a:p>
@@ -16175,7 +17189,7 @@
             <a:fld id="{805C85F1-8004-4C57-9BBF-E57BBA7CF0F9}" type="slidenum">
               <a:rPr lang="en-US" smtClean="0"/>
               <a:pPr/>
-              <a:t>8</a:t>
+              <a:t>9</a:t>
             </a:fld>
             <a:endParaRPr lang="en-US"/>
           </a:p>
@@ -16216,243 +17230,6 @@
         <a:graphic>
           <a:graphicData uri="http://schemas.openxmlformats.org/presentationml/2006/ole">
             <p:oleObj spid="_x0000_s57349" name="Equation" r:id="rId4" imgW="1714320" imgH="558720" progId="">
-              <p:embed/>
-            </p:oleObj>
-          </a:graphicData>
-        </a:graphic>
-      </p:graphicFrame>
-    </p:spTree>
-  </p:cSld>
-  <p:clrMapOvr>
-    <a:masterClrMapping/>
-  </p:clrMapOvr>
-  <p:transition>
-    <p:fade thruBlk="1"/>
-  </p:transition>
-</p:sld>
-</file>
-
-<file path=ppt/slides/slide9.xml><?xml version="1.0" encoding="utf-8"?>
-<p:sld xmlns:a="http://schemas.openxmlformats.org/drawingml/2006/main" xmlns:r="http://schemas.openxmlformats.org/officeDocument/2006/relationships" xmlns:p="http://schemas.openxmlformats.org/presentationml/2006/main">
-  <p:cSld>
-    <p:spTree>
-      <p:nvGrpSpPr>
-        <p:cNvPr id="1" name=""/>
-        <p:cNvGrpSpPr/>
-        <p:nvPr/>
-      </p:nvGrpSpPr>
-      <p:grpSpPr>
-        <a:xfrm>
-          <a:off x="0" y="0"/>
-          <a:ext cx="0" cy="0"/>
-          <a:chOff x="0" y="0"/>
-          <a:chExt cx="0" cy="0"/>
-        </a:xfrm>
-      </p:grpSpPr>
-      <p:sp>
-        <p:nvSpPr>
-          <p:cNvPr id="2" name="Title 1"/>
-          <p:cNvSpPr>
-            <a:spLocks noGrp="1"/>
-          </p:cNvSpPr>
-          <p:nvPr>
-            <p:ph type="title"/>
-          </p:nvPr>
-        </p:nvSpPr>
-        <p:spPr/>
-        <p:txBody>
-          <a:bodyPr/>
-          <a:lstStyle/>
-          <a:p>
-            <a:r>
-              <a:rPr lang="en-US" dirty="0" err="1" smtClean="0">
-                <a:latin typeface="Times New Roman" pitchFamily="18" charset="0"/>
-                <a:cs typeface="Times New Roman" pitchFamily="18" charset="0"/>
-              </a:rPr>
-              <a:t>Giới</a:t>
-            </a:r>
-            <a:r>
-              <a:rPr lang="en-US" dirty="0" smtClean="0">
-                <a:latin typeface="Times New Roman" pitchFamily="18" charset="0"/>
-                <a:cs typeface="Times New Roman" pitchFamily="18" charset="0"/>
-              </a:rPr>
-              <a:t> </a:t>
-            </a:r>
-            <a:r>
-              <a:rPr lang="en-US" dirty="0" err="1" smtClean="0">
-                <a:latin typeface="Times New Roman" pitchFamily="18" charset="0"/>
-                <a:cs typeface="Times New Roman" pitchFamily="18" charset="0"/>
-              </a:rPr>
-              <a:t>thiệu</a:t>
-            </a:r>
-            <a:r>
-              <a:rPr lang="en-US" dirty="0" smtClean="0">
-                <a:latin typeface="Times New Roman" pitchFamily="18" charset="0"/>
-                <a:cs typeface="Times New Roman" pitchFamily="18" charset="0"/>
-              </a:rPr>
-              <a:t> </a:t>
-            </a:r>
-            <a:r>
-              <a:rPr lang="en-US" dirty="0" smtClean="0">
-                <a:latin typeface="Times New Roman" pitchFamily="18" charset="0"/>
-                <a:cs typeface="Times New Roman" pitchFamily="18" charset="0"/>
-              </a:rPr>
-              <a:t>(6)</a:t>
-            </a:r>
-            <a:endParaRPr lang="en-US" dirty="0"/>
-          </a:p>
-        </p:txBody>
-      </p:sp>
-      <p:sp>
-        <p:nvSpPr>
-          <p:cNvPr id="3" name="Content Placeholder 2"/>
-          <p:cNvSpPr>
-            <a:spLocks noGrp="1"/>
-          </p:cNvSpPr>
-          <p:nvPr>
-            <p:ph idx="1"/>
-          </p:nvPr>
-        </p:nvSpPr>
-        <p:spPr/>
-        <p:txBody>
-          <a:bodyPr/>
-          <a:lstStyle/>
-          <a:p>
-            <a:r>
-              <a:rPr lang="en-US" b="1" dirty="0" err="1" smtClean="0">
-                <a:solidFill>
-                  <a:srgbClr val="0070C0"/>
-                </a:solidFill>
-              </a:rPr>
-              <a:t>Kết</a:t>
-            </a:r>
-            <a:r>
-              <a:rPr lang="en-US" b="1" dirty="0" smtClean="0">
-                <a:solidFill>
-                  <a:srgbClr val="0070C0"/>
-                </a:solidFill>
-              </a:rPr>
-              <a:t> </a:t>
-            </a:r>
-            <a:r>
-              <a:rPr lang="en-US" b="1" dirty="0" err="1" smtClean="0">
-                <a:solidFill>
-                  <a:srgbClr val="0070C0"/>
-                </a:solidFill>
-              </a:rPr>
-              <a:t>hợp</a:t>
-            </a:r>
-            <a:endParaRPr lang="en-US" b="1" dirty="0" smtClean="0">
-              <a:solidFill>
-                <a:srgbClr val="0070C0"/>
-              </a:solidFill>
-            </a:endParaRPr>
-          </a:p>
-        </p:txBody>
-      </p:sp>
-      <p:sp>
-        <p:nvSpPr>
-          <p:cNvPr id="4" name="Date Placeholder 3"/>
-          <p:cNvSpPr>
-            <a:spLocks noGrp="1"/>
-          </p:cNvSpPr>
-          <p:nvPr>
-            <p:ph type="dt" sz="half" idx="10"/>
-          </p:nvPr>
-        </p:nvSpPr>
-        <p:spPr/>
-        <p:txBody>
-          <a:bodyPr/>
-          <a:lstStyle/>
-          <a:p>
-            <a:fld id="{FC13EE21-0C48-4609-AAE4-AD74DD06381D}" type="datetime1">
-              <a:rPr lang="en-US" smtClean="0"/>
-              <a:pPr/>
-              <a:t>3/23/2011</a:t>
-            </a:fld>
-            <a:endParaRPr lang="en-US" dirty="0"/>
-          </a:p>
-        </p:txBody>
-      </p:sp>
-      <p:sp>
-        <p:nvSpPr>
-          <p:cNvPr id="5" name="Slide Number Placeholder 4"/>
-          <p:cNvSpPr>
-            <a:spLocks noGrp="1"/>
-          </p:cNvSpPr>
-          <p:nvPr>
-            <p:ph type="sldNum" sz="quarter" idx="12"/>
-          </p:nvPr>
-        </p:nvSpPr>
-        <p:spPr/>
-        <p:txBody>
-          <a:bodyPr/>
-          <a:lstStyle/>
-          <a:p>
-            <a:fld id="{805C85F1-8004-4C57-9BBF-E57BBA7CF0F9}" type="slidenum">
-              <a:rPr lang="en-US" smtClean="0"/>
-              <a:pPr/>
-              <a:t>9</a:t>
-            </a:fld>
-            <a:endParaRPr lang="en-US"/>
-          </a:p>
-        </p:txBody>
-      </p:sp>
-      <p:graphicFrame>
-        <p:nvGraphicFramePr>
-          <p:cNvPr id="59394" name="Object 2"/>
-          <p:cNvGraphicFramePr>
-            <a:graphicFrameLocks noChangeAspect="1"/>
-          </p:cNvGraphicFramePr>
-          <p:nvPr/>
-        </p:nvGraphicFramePr>
-        <p:xfrm>
-          <a:off x="1066800" y="2057400"/>
-          <a:ext cx="7132638" cy="971550"/>
-        </p:xfrm>
-        <a:graphic>
-          <a:graphicData uri="http://schemas.openxmlformats.org/presentationml/2006/ole">
-            <p:oleObj spid="_x0000_s59394" name="Equation" r:id="rId3" imgW="3174840" imgH="431640" progId="">
-              <p:embed/>
-            </p:oleObj>
-          </a:graphicData>
-        </a:graphic>
-      </p:graphicFrame>
-      <p:graphicFrame>
-        <p:nvGraphicFramePr>
-          <p:cNvPr id="59395" name="Object 3"/>
-          <p:cNvGraphicFramePr>
-            <a:graphicFrameLocks noChangeAspect="1"/>
-          </p:cNvGraphicFramePr>
-          <p:nvPr/>
-        </p:nvGraphicFramePr>
-        <p:xfrm>
-          <a:off x="1266825" y="4286250"/>
-          <a:ext cx="3124200" cy="1111250"/>
-        </p:xfrm>
-        <a:graphic>
-          <a:graphicData uri="http://schemas.openxmlformats.org/presentationml/2006/ole">
-            <p:oleObj spid="_x0000_s59395" name="Equation" r:id="rId4" imgW="1422400" imgH="508000" progId="">
-              <p:embed/>
-            </p:oleObj>
-          </a:graphicData>
-        </a:graphic>
-      </p:graphicFrame>
-      <p:graphicFrame>
-        <p:nvGraphicFramePr>
-          <p:cNvPr id="59396" name="Object 4"/>
-          <p:cNvGraphicFramePr>
-            <a:graphicFrameLocks noChangeAspect="1"/>
-          </p:cNvGraphicFramePr>
-          <p:nvPr/>
-        </p:nvGraphicFramePr>
-        <p:xfrm>
-          <a:off x="4895850" y="4289425"/>
-          <a:ext cx="3076575" cy="1108075"/>
-        </p:xfrm>
-        <a:graphic>
-          <a:graphicData uri="http://schemas.openxmlformats.org/presentationml/2006/ole">
-            <p:oleObj spid="_x0000_s59396" name="Equation" r:id="rId5" imgW="1397000" imgH="508000" progId="">
               <p:embed/>
             </p:oleObj>
           </a:graphicData>
